--- a/slides/TAC_meeting_talk_3.pptx
+++ b/slides/TAC_meeting_talk_3.pptx
@@ -5,10 +5,10 @@
     <p:sldMasterId id="2147483648" r:id="rId1"/>
   </p:sldMasterIdLst>
   <p:notesMasterIdLst>
-    <p:notesMasterId r:id="rId26"/>
+    <p:notesMasterId r:id="rId27"/>
   </p:notesMasterIdLst>
   <p:handoutMasterIdLst>
-    <p:handoutMasterId r:id="rId27"/>
+    <p:handoutMasterId r:id="rId28"/>
   </p:handoutMasterIdLst>
   <p:sldIdLst>
     <p:sldId id="256" r:id="rId2"/>
@@ -31,10 +31,11 @@
     <p:sldId id="396" r:id="rId19"/>
     <p:sldId id="398" r:id="rId20"/>
     <p:sldId id="397" r:id="rId21"/>
-    <p:sldId id="322" r:id="rId22"/>
-    <p:sldId id="399" r:id="rId23"/>
-    <p:sldId id="383" r:id="rId24"/>
-    <p:sldId id="378" r:id="rId25"/>
+    <p:sldId id="400" r:id="rId22"/>
+    <p:sldId id="322" r:id="rId23"/>
+    <p:sldId id="399" r:id="rId24"/>
+    <p:sldId id="383" r:id="rId25"/>
+    <p:sldId id="378" r:id="rId26"/>
   </p:sldIdLst>
   <p:sldSz cx="9144000" cy="6858000" type="screen4x3"/>
   <p:notesSz cx="6858000" cy="9144000"/>
@@ -162,6 +163,7 @@
             <p14:sldId id="396"/>
             <p14:sldId id="398"/>
             <p14:sldId id="397"/>
+            <p14:sldId id="400"/>
             <p14:sldId id="322"/>
             <p14:sldId id="399"/>
             <p14:sldId id="383"/>
@@ -4056,7 +4058,15 @@
                   <a:srgbClr val="FFFF00"/>
                 </a:solidFill>
               </a:rPr>
-              <a:t>TAC Meeting Presentation: </a:t>
+              <a:t>TAC Meeting Presentation: March 9</a:t>
+            </a:r>
+            <a:r>
+              <a:rPr lang="en-US" baseline="30000" dirty="0" smtClean="0">
+                <a:solidFill>
+                  <a:srgbClr val="FFFF00"/>
+                </a:solidFill>
+              </a:rPr>
+              <a:t>th</a:t>
             </a:r>
             <a:r>
               <a:rPr lang="en-US" dirty="0" smtClean="0">
@@ -4064,61 +4074,8 @@
                   <a:srgbClr val="FFFF00"/>
                 </a:solidFill>
               </a:rPr>
-              <a:t>March</a:t>
-            </a:r>
-            <a:r>
-              <a:rPr lang="en-US" dirty="0" smtClean="0">
-                <a:solidFill>
-                  <a:srgbClr val="FFFF00"/>
-                </a:solidFill>
-              </a:rPr>
-              <a:t> </a:t>
-            </a:r>
-            <a:r>
-              <a:rPr lang="en-US" dirty="0" smtClean="0">
-                <a:solidFill>
-                  <a:srgbClr val="FFFF00"/>
-                </a:solidFill>
-              </a:rPr>
-              <a:t>9</a:t>
-            </a:r>
-            <a:r>
-              <a:rPr lang="en-US" baseline="30000" dirty="0" smtClean="0">
-                <a:solidFill>
-                  <a:srgbClr val="FFFF00"/>
-                </a:solidFill>
-              </a:rPr>
-              <a:t>th</a:t>
-            </a:r>
-            <a:r>
-              <a:rPr lang="en-US" dirty="0" smtClean="0">
-                <a:solidFill>
-                  <a:srgbClr val="FFFF00"/>
-                </a:solidFill>
-              </a:rPr>
-              <a:t> </a:t>
-            </a:r>
-            <a:r>
-              <a:rPr lang="en-US" dirty="0" smtClean="0">
-                <a:solidFill>
-                  <a:srgbClr val="FFFF00"/>
-                </a:solidFill>
-              </a:rPr>
-              <a:t>, </a:t>
-            </a:r>
-            <a:r>
-              <a:rPr lang="en-US" dirty="0" smtClean="0">
-                <a:solidFill>
-                  <a:srgbClr val="FFFF00"/>
-                </a:solidFill>
-              </a:rPr>
-              <a:t>2016</a:t>
-            </a:r>
-            <a:endParaRPr lang="en-US" dirty="0" smtClean="0">
-              <a:solidFill>
-                <a:srgbClr val="FFFF00"/>
-              </a:solidFill>
-            </a:endParaRPr>
+              <a:t> , 2016</a:t>
+            </a:r>
           </a:p>
           <a:p>
             <a:endParaRPr lang="en-US" dirty="0"/>
@@ -5384,15 +5341,7 @@
                   <a:srgbClr val="FFFF00"/>
                 </a:solidFill>
               </a:rPr>
-              <a:t>teps and Proposed Defense </a:t>
-            </a:r>
-            <a:r>
-              <a:rPr lang="en-US" dirty="0" smtClean="0">
-                <a:solidFill>
-                  <a:srgbClr val="FFFF00"/>
-                </a:solidFill>
-              </a:rPr>
-              <a:t>Timeline</a:t>
+              <a:t>teps and Proposed Defense Timeline</a:t>
             </a:r>
             <a:endParaRPr lang="en-US" dirty="0">
               <a:solidFill>
@@ -6045,11 +5994,7 @@
             </a:r>
             <a:r>
               <a:rPr lang="en-US" dirty="0" smtClean="0"/>
-              <a:t>teps and Proposed Defense </a:t>
-            </a:r>
-            <a:r>
-              <a:rPr lang="en-US" dirty="0" smtClean="0"/>
-              <a:t>Timeline</a:t>
+              <a:t>teps and Proposed Defense Timeline</a:t>
             </a:r>
             <a:endParaRPr lang="en-US" dirty="0"/>
           </a:p>
@@ -6383,112 +6328,91 @@
             <p:ph type="title"/>
           </p:nvPr>
         </p:nvSpPr>
-        <p:spPr>
-          <a:xfrm>
-            <a:off x="457200" y="-21695"/>
-            <a:ext cx="8229600" cy="1143000"/>
-          </a:xfrm>
-        </p:spPr>
-        <p:txBody>
-          <a:bodyPr>
-            <a:normAutofit/>
-          </a:bodyPr>
-          <a:lstStyle/>
-          <a:p>
-            <a:r>
-              <a:rPr lang="en-US" sz="4000" dirty="0" smtClean="0"/>
-              <a:t>Thesis </a:t>
-            </a:r>
-            <a:r>
-              <a:rPr lang="en-US" sz="4000" dirty="0" smtClean="0"/>
-              <a:t>Timeline (and beyond)</a:t>
-            </a:r>
-            <a:endParaRPr lang="en-US" sz="4000" dirty="0"/>
-          </a:p>
-        </p:txBody>
-      </p:sp>
-      <p:sp>
-        <p:nvSpPr>
-          <p:cNvPr id="4" name="TextBox 3"/>
-          <p:cNvSpPr txBox="1"/>
-          <p:nvPr/>
-        </p:nvSpPr>
-        <p:spPr>
-          <a:xfrm>
-            <a:off x="459389" y="1998568"/>
-            <a:ext cx="8255610" cy="2800767"/>
-          </a:xfrm>
-          <a:prstGeom prst="rect">
-            <a:avLst/>
-          </a:prstGeom>
-          <a:solidFill>
-            <a:srgbClr val="FFFF00"/>
-          </a:solidFill>
-          <a:ln w="63500">
-            <a:solidFill>
-              <a:srgbClr val="0000FF"/>
-            </a:solidFill>
-          </a:ln>
-        </p:spPr>
-        <p:txBody>
-          <a:bodyPr wrap="square" rtlCol="0">
-            <a:spAutoFit/>
-          </a:bodyPr>
-          <a:lstStyle/>
-          <a:p>
-            <a:pPr algn="ctr"/>
-            <a:r>
-              <a:rPr lang="en-US" sz="4400" dirty="0" smtClean="0">
-                <a:solidFill>
-                  <a:schemeClr val="bg1"/>
-                </a:solidFill>
-              </a:rPr>
-              <a:t>GOAL</a:t>
-            </a:r>
-          </a:p>
-          <a:p>
-            <a:pPr algn="ctr"/>
-            <a:r>
-              <a:rPr lang="en-US" sz="4400" dirty="0" smtClean="0">
-                <a:solidFill>
-                  <a:schemeClr val="bg1"/>
-                </a:solidFill>
-              </a:rPr>
-              <a:t>Officially graduate in spring 2016 =&gt; need to submit thesis to the registrar by May 13</a:t>
-            </a:r>
-            <a:r>
-              <a:rPr lang="en-US" sz="4400" baseline="30000" dirty="0" smtClean="0">
-                <a:solidFill>
-                  <a:schemeClr val="bg1"/>
-                </a:solidFill>
-              </a:rPr>
-              <a:t>th</a:t>
-            </a:r>
-            <a:endParaRPr lang="en-US" sz="4400" dirty="0">
-              <a:solidFill>
-                <a:schemeClr val="bg1"/>
-              </a:solidFill>
-            </a:endParaRPr>
+        <p:spPr/>
+        <p:txBody>
+          <a:bodyPr/>
+          <a:lstStyle/>
+          <a:p>
+            <a:r>
+              <a:rPr lang="en-US" dirty="0" smtClean="0"/>
+              <a:t>Suggestions for External Examiner</a:t>
+            </a:r>
+            <a:endParaRPr lang="en-US" dirty="0"/>
+          </a:p>
+        </p:txBody>
+      </p:sp>
+      <p:sp>
+        <p:nvSpPr>
+          <p:cNvPr id="3" name="Content Placeholder 2"/>
+          <p:cNvSpPr>
+            <a:spLocks noGrp="1"/>
+          </p:cNvSpPr>
+          <p:nvPr>
+            <p:ph idx="1"/>
+          </p:nvPr>
+        </p:nvSpPr>
+        <p:spPr/>
+        <p:txBody>
+          <a:bodyPr/>
+          <a:lstStyle/>
+          <a:p>
+            <a:endParaRPr lang="en-US" dirty="0" smtClean="0"/>
+          </a:p>
+          <a:p>
+            <a:r>
+              <a:rPr lang="en-US" dirty="0" smtClean="0"/>
+              <a:t>Prof. Fred </a:t>
+            </a:r>
+            <a:r>
+              <a:rPr lang="en-US" dirty="0" err="1" smtClean="0"/>
+              <a:t>Ciesla</a:t>
+            </a:r>
+            <a:r>
+              <a:rPr lang="en-US" dirty="0" smtClean="0"/>
+              <a:t> (University of Chicago)</a:t>
+            </a:r>
+          </a:p>
+          <a:p>
+            <a:r>
+              <a:rPr lang="en-US" dirty="0" smtClean="0"/>
+              <a:t>Dr. Margaret Pan (MIT)</a:t>
+            </a:r>
+          </a:p>
+          <a:p>
+            <a:r>
+              <a:rPr lang="en-US" dirty="0" smtClean="0"/>
+              <a:t>Prof. </a:t>
+            </a:r>
+            <a:r>
+              <a:rPr lang="en-US" dirty="0" err="1" smtClean="0"/>
+              <a:t>Hilke</a:t>
+            </a:r>
+            <a:r>
+              <a:rPr lang="en-US" dirty="0" smtClean="0"/>
+              <a:t> </a:t>
+            </a:r>
+            <a:r>
+              <a:rPr lang="en-US" dirty="0" err="1" smtClean="0"/>
+              <a:t>Schlichting</a:t>
+            </a:r>
+            <a:r>
+              <a:rPr lang="en-US" dirty="0" smtClean="0"/>
+              <a:t> (MIT)</a:t>
+            </a:r>
+            <a:endParaRPr lang="en-US" dirty="0"/>
           </a:p>
         </p:txBody>
       </p:sp>
     </p:spTree>
     <p:extLst>
       <p:ext uri="{BB962C8B-B14F-4D97-AF65-F5344CB8AC3E}">
-        <p14:creationId xmlns:p14="http://schemas.microsoft.com/office/powerpoint/2010/main" val="3542081633"/>
+        <p14:creationId xmlns:p14="http://schemas.microsoft.com/office/powerpoint/2010/main" val="3498518289"/>
       </p:ext>
     </p:extLst>
   </p:cSld>
   <p:clrMapOvr>
     <a:masterClrMapping/>
   </p:clrMapOvr>
-  <p:timing>
-    <p:tnLst>
-      <p:par>
-        <p:cTn xmlns:p14="http://schemas.microsoft.com/office/powerpoint/2010/main" id="1" dur="indefinite" restart="never" nodeType="tmRoot"/>
-      </p:par>
-    </p:tnLst>
-  </p:timing>
 </p:sld>
 </file>
 
@@ -6533,11 +6457,7 @@
           <a:p>
             <a:r>
               <a:rPr lang="en-US" sz="4000" dirty="0" smtClean="0"/>
-              <a:t>Thesis </a:t>
-            </a:r>
-            <a:r>
-              <a:rPr lang="en-US" sz="4000" dirty="0" smtClean="0"/>
-              <a:t>Timeline (and beyond)</a:t>
+              <a:t>Thesis Timeline (and beyond)</a:t>
             </a:r>
             <a:endParaRPr lang="en-US" sz="4000" dirty="0"/>
           </a:p>
@@ -6545,370 +6465,73 @@
       </p:sp>
       <p:sp>
         <p:nvSpPr>
-          <p:cNvPr id="5" name="Content Placeholder 2"/>
-          <p:cNvSpPr>
-            <a:spLocks noGrp="1"/>
-          </p:cNvSpPr>
-          <p:nvPr>
-            <p:ph idx="1"/>
-          </p:nvPr>
+          <p:cNvPr id="4" name="TextBox 3"/>
+          <p:cNvSpPr txBox="1"/>
+          <p:nvPr/>
         </p:nvSpPr>
         <p:spPr>
           <a:xfrm>
-            <a:off x="457200" y="729540"/>
-            <a:ext cx="8229600" cy="5876838"/>
+            <a:off x="459389" y="1998568"/>
+            <a:ext cx="8255610" cy="2800767"/>
           </a:xfrm>
+          <a:prstGeom prst="rect">
+            <a:avLst/>
+          </a:prstGeom>
+          <a:solidFill>
+            <a:srgbClr val="FFFF00"/>
+          </a:solidFill>
+          <a:ln w="63500">
+            <a:solidFill>
+              <a:srgbClr val="0000FF"/>
+            </a:solidFill>
+          </a:ln>
         </p:spPr>
         <p:txBody>
-          <a:bodyPr>
-            <a:normAutofit/>
+          <a:bodyPr wrap="square" rtlCol="0">
+            <a:spAutoFit/>
           </a:bodyPr>
           <a:lstStyle/>
           <a:p>
-            <a:pPr marL="400050" lvl="1" indent="0">
-              <a:buNone/>
-            </a:pPr>
-            <a:endParaRPr lang="en-US" sz="2000" dirty="0" smtClean="0"/>
-          </a:p>
-          <a:p>
-            <a:pPr lvl="1" indent="-342900"/>
-            <a:r>
-              <a:rPr lang="en-US" sz="2400" dirty="0" smtClean="0"/>
-              <a:t>By </a:t>
-            </a:r>
-            <a:r>
-              <a:rPr lang="en-US" sz="2400" dirty="0" smtClean="0">
-                <a:solidFill>
-                  <a:srgbClr val="FFFF00"/>
-                </a:solidFill>
-              </a:rPr>
-              <a:t>March 15</a:t>
-            </a:r>
-            <a:r>
-              <a:rPr lang="en-US" sz="2400" baseline="30000" dirty="0" smtClean="0">
-                <a:solidFill>
-                  <a:srgbClr val="FFFF00"/>
+            <a:pPr algn="ctr"/>
+            <a:r>
+              <a:rPr lang="en-US" sz="4400" dirty="0" smtClean="0">
+                <a:solidFill>
+                  <a:schemeClr val="bg1"/>
+                </a:solidFill>
+              </a:rPr>
+              <a:t>GOAL</a:t>
+            </a:r>
+          </a:p>
+          <a:p>
+            <a:pPr algn="ctr"/>
+            <a:r>
+              <a:rPr lang="en-US" sz="4400" dirty="0" smtClean="0">
+                <a:solidFill>
+                  <a:schemeClr val="bg1"/>
+                </a:solidFill>
+              </a:rPr>
+              <a:t>Officially graduate in spring 2016 =&gt; need to submit thesis to the registrar by May 13</a:t>
+            </a:r>
+            <a:r>
+              <a:rPr lang="en-US" sz="4400" baseline="30000" dirty="0" smtClean="0">
+                <a:solidFill>
+                  <a:schemeClr val="bg1"/>
                 </a:solidFill>
               </a:rPr>
               <a:t>th</a:t>
             </a:r>
-            <a:r>
-              <a:rPr lang="en-US" sz="2400" dirty="0">
-                <a:solidFill>
-                  <a:srgbClr val="FFFF00"/>
-                </a:solidFill>
-              </a:rPr>
-              <a:t> </a:t>
-            </a:r>
-            <a:r>
-              <a:rPr lang="en-US" sz="2400" dirty="0" smtClean="0"/>
-              <a:t>-&gt; submit </a:t>
-            </a:r>
-            <a:r>
-              <a:rPr lang="en-US" sz="2400" dirty="0"/>
-              <a:t>C</a:t>
-            </a:r>
-            <a:r>
-              <a:rPr lang="en-US" sz="2400" dirty="0" smtClean="0"/>
-              <a:t>/N/O paper</a:t>
-            </a:r>
-          </a:p>
-          <a:p>
-            <a:pPr lvl="1" indent="-342900"/>
-            <a:r>
-              <a:rPr lang="en-US" sz="2400" dirty="0" smtClean="0">
-                <a:solidFill>
-                  <a:srgbClr val="FFFF00"/>
-                </a:solidFill>
-              </a:rPr>
-              <a:t>March 15</a:t>
-            </a:r>
-            <a:r>
-              <a:rPr lang="en-US" sz="2400" baseline="30000" dirty="0" smtClean="0">
-                <a:solidFill>
-                  <a:srgbClr val="FFFF00"/>
-                </a:solidFill>
-              </a:rPr>
-              <a:t>th</a:t>
-            </a:r>
-            <a:r>
-              <a:rPr lang="en-US" sz="2400" dirty="0" smtClean="0">
-                <a:solidFill>
-                  <a:srgbClr val="FFFF00"/>
-                </a:solidFill>
-              </a:rPr>
-              <a:t> – April 15</a:t>
-            </a:r>
-            <a:r>
-              <a:rPr lang="en-US" sz="2400" baseline="30000" dirty="0" smtClean="0">
-                <a:solidFill>
-                  <a:srgbClr val="FFFF00"/>
-                </a:solidFill>
-              </a:rPr>
-              <a:t>th</a:t>
-            </a:r>
-            <a:r>
-              <a:rPr lang="en-US" sz="2400" dirty="0" smtClean="0">
-                <a:solidFill>
-                  <a:srgbClr val="FFFF00"/>
-                </a:solidFill>
-              </a:rPr>
-              <a:t> </a:t>
-            </a:r>
-            <a:r>
-              <a:rPr lang="en-US" sz="2400" dirty="0" smtClean="0"/>
-              <a:t>-&gt; have some preliminary results for the last thesis chapter </a:t>
-            </a:r>
-          </a:p>
-          <a:p>
-            <a:pPr lvl="1" indent="-342900"/>
-            <a:r>
-              <a:rPr lang="en-US" sz="2400" dirty="0" smtClean="0">
-                <a:solidFill>
-                  <a:srgbClr val="FFFF00"/>
-                </a:solidFill>
-              </a:rPr>
-              <a:t>April 15</a:t>
-            </a:r>
-            <a:r>
-              <a:rPr lang="en-US" sz="2400" baseline="30000" dirty="0" smtClean="0">
-                <a:solidFill>
-                  <a:srgbClr val="FFFF00"/>
-                </a:solidFill>
-              </a:rPr>
-              <a:t>th</a:t>
-            </a:r>
-            <a:r>
-              <a:rPr lang="en-US" sz="2400" dirty="0" smtClean="0">
-                <a:solidFill>
-                  <a:srgbClr val="FFFF00"/>
-                </a:solidFill>
-              </a:rPr>
-              <a:t> – April 30</a:t>
-            </a:r>
-            <a:r>
-              <a:rPr lang="en-US" sz="2400" baseline="30000" dirty="0" smtClean="0">
-                <a:solidFill>
-                  <a:srgbClr val="FFFF00"/>
-                </a:solidFill>
-              </a:rPr>
-              <a:t>th</a:t>
-            </a:r>
-            <a:r>
-              <a:rPr lang="en-US" sz="2400" dirty="0" smtClean="0">
-                <a:solidFill>
-                  <a:srgbClr val="FFFF00"/>
-                </a:solidFill>
-              </a:rPr>
-              <a:t> </a:t>
-            </a:r>
-            <a:r>
-              <a:rPr lang="en-US" sz="2400" dirty="0" smtClean="0"/>
-              <a:t>-&gt; write thesis</a:t>
-            </a:r>
-          </a:p>
-          <a:p>
-            <a:pPr lvl="1" indent="-342900"/>
-            <a:r>
-              <a:rPr lang="en-US" sz="2400" dirty="0" smtClean="0"/>
-              <a:t>Some time between </a:t>
-            </a:r>
-            <a:r>
-              <a:rPr lang="en-US" sz="2400" dirty="0" smtClean="0">
-                <a:solidFill>
-                  <a:srgbClr val="FFFF00"/>
-                </a:solidFill>
-              </a:rPr>
-              <a:t>April 25</a:t>
-            </a:r>
-            <a:r>
-              <a:rPr lang="en-US" sz="2400" baseline="30000" dirty="0" smtClean="0">
-                <a:solidFill>
-                  <a:srgbClr val="FFFF00"/>
-                </a:solidFill>
-              </a:rPr>
-              <a:t>th</a:t>
-            </a:r>
-            <a:r>
-              <a:rPr lang="en-US" sz="2400" dirty="0" smtClean="0">
-                <a:solidFill>
-                  <a:srgbClr val="FFFF00"/>
-                </a:solidFill>
-              </a:rPr>
-              <a:t> </a:t>
-            </a:r>
-            <a:r>
-              <a:rPr lang="en-US" sz="2400" dirty="0" smtClean="0"/>
-              <a:t>(Monday) and </a:t>
-            </a:r>
-            <a:r>
-              <a:rPr lang="en-US" sz="2400" dirty="0" smtClean="0">
-                <a:solidFill>
-                  <a:srgbClr val="FFFF00"/>
-                </a:solidFill>
-              </a:rPr>
-              <a:t>May 9</a:t>
-            </a:r>
-            <a:r>
-              <a:rPr lang="en-US" sz="2400" baseline="30000" dirty="0" smtClean="0">
-                <a:solidFill>
-                  <a:srgbClr val="FFFF00"/>
-                </a:solidFill>
-              </a:rPr>
-              <a:t>th</a:t>
-            </a:r>
-            <a:r>
-              <a:rPr lang="en-US" sz="2400" dirty="0" smtClean="0">
-                <a:solidFill>
-                  <a:srgbClr val="FFFF00"/>
-                </a:solidFill>
-              </a:rPr>
-              <a:t> </a:t>
-            </a:r>
-            <a:r>
-              <a:rPr lang="en-US" sz="2400" dirty="0" smtClean="0"/>
-              <a:t>(Monday) -&gt; </a:t>
-            </a:r>
-            <a:r>
-              <a:rPr lang="en-US" sz="2400" dirty="0" smtClean="0">
-                <a:solidFill>
-                  <a:srgbClr val="FFFF00"/>
-                </a:solidFill>
-              </a:rPr>
-              <a:t>THESIS DEFENSE!</a:t>
-            </a:r>
-          </a:p>
-          <a:p>
-            <a:pPr lvl="1" indent="-342900"/>
-            <a:r>
-              <a:rPr lang="en-US" sz="2400" dirty="0" smtClean="0">
-                <a:solidFill>
-                  <a:srgbClr val="FFFF00"/>
-                </a:solidFill>
-              </a:rPr>
-              <a:t>Mid-May – end of August </a:t>
-            </a:r>
-            <a:r>
-              <a:rPr lang="en-US" sz="2400" dirty="0" smtClean="0">
-                <a:solidFill>
-                  <a:srgbClr val="FFFFFF"/>
-                </a:solidFill>
-              </a:rPr>
-              <a:t>-&gt; develop intuition for chemistry and start developing a simple parameterized chemical network to implement in my dynamical model (collaborate closely with </a:t>
-            </a:r>
-            <a:r>
-              <a:rPr lang="en-US" sz="2400" dirty="0" err="1" smtClean="0">
-                <a:solidFill>
-                  <a:srgbClr val="FFFFFF"/>
-                </a:solidFill>
-              </a:rPr>
-              <a:t>Ilse</a:t>
-            </a:r>
-            <a:r>
-              <a:rPr lang="en-US" sz="2400" dirty="0" smtClean="0">
-                <a:solidFill>
-                  <a:srgbClr val="FFFFFF"/>
-                </a:solidFill>
-              </a:rPr>
-              <a:t> </a:t>
-            </a:r>
-            <a:r>
-              <a:rPr lang="en-US" sz="2400" dirty="0" err="1" smtClean="0">
-                <a:solidFill>
-                  <a:srgbClr val="FFFFFF"/>
-                </a:solidFill>
-              </a:rPr>
-              <a:t>Cleeves</a:t>
-            </a:r>
-            <a:r>
-              <a:rPr lang="en-US" sz="2400" dirty="0" smtClean="0">
-                <a:solidFill>
-                  <a:srgbClr val="FFFFFF"/>
-                </a:solidFill>
-              </a:rPr>
-              <a:t>)</a:t>
-            </a:r>
-          </a:p>
-          <a:p>
-            <a:pPr lvl="1" indent="-342900"/>
-            <a:r>
-              <a:rPr lang="en-US" sz="2400" dirty="0" smtClean="0">
-                <a:solidFill>
-                  <a:srgbClr val="FFFF00"/>
-                </a:solidFill>
-              </a:rPr>
-              <a:t>End of August – early fall </a:t>
-            </a:r>
-            <a:r>
-              <a:rPr lang="en-US" sz="2400" dirty="0" smtClean="0">
-                <a:solidFill>
-                  <a:srgbClr val="FFFFFF"/>
-                </a:solidFill>
-              </a:rPr>
-              <a:t>-&gt; finish paper on last thesis chapter</a:t>
-            </a:r>
-          </a:p>
-          <a:p>
-            <a:pPr lvl="1" indent="-342900"/>
-            <a:r>
-              <a:rPr lang="en-US" sz="2400" dirty="0" smtClean="0">
-                <a:solidFill>
-                  <a:srgbClr val="FFFF00"/>
-                </a:solidFill>
-              </a:rPr>
-              <a:t>September 1</a:t>
-            </a:r>
-            <a:r>
-              <a:rPr lang="en-US" sz="2400" baseline="30000" dirty="0" smtClean="0">
-                <a:solidFill>
-                  <a:srgbClr val="FFFF00"/>
-                </a:solidFill>
-              </a:rPr>
-              <a:t>st</a:t>
-            </a:r>
-            <a:r>
-              <a:rPr lang="en-US" sz="2400" dirty="0">
-                <a:solidFill>
-                  <a:srgbClr val="FFFF00"/>
-                </a:solidFill>
-              </a:rPr>
-              <a:t> </a:t>
-            </a:r>
-            <a:r>
-              <a:rPr lang="en-US" sz="2400" dirty="0" smtClean="0">
-                <a:solidFill>
-                  <a:srgbClr val="FFFFFF"/>
-                </a:solidFill>
-              </a:rPr>
-              <a:t>-&gt; </a:t>
-            </a:r>
-            <a:r>
-              <a:rPr lang="en-US" sz="2400" dirty="0" smtClean="0">
-                <a:solidFill>
-                  <a:srgbClr val="FFFF00"/>
-                </a:solidFill>
-              </a:rPr>
-              <a:t>START POSTDOC!</a:t>
-            </a:r>
-          </a:p>
-          <a:p>
-            <a:pPr lvl="1" indent="-342900"/>
-            <a:endParaRPr lang="en-US" sz="2000" dirty="0" smtClean="0"/>
-          </a:p>
-          <a:p>
-            <a:pPr lvl="1" indent="-342900"/>
-            <a:endParaRPr lang="en-US" sz="2000" dirty="0" smtClean="0"/>
-          </a:p>
-          <a:p>
-            <a:pPr lvl="1" indent="-342900"/>
-            <a:endParaRPr lang="en-US" sz="2000" dirty="0" smtClean="0"/>
+            <a:endParaRPr lang="en-US" sz="4400" dirty="0">
+              <a:solidFill>
+                <a:schemeClr val="bg1"/>
+              </a:solidFill>
+            </a:endParaRPr>
           </a:p>
         </p:txBody>
       </p:sp>
     </p:spTree>
     <p:extLst>
       <p:ext uri="{BB962C8B-B14F-4D97-AF65-F5344CB8AC3E}">
-        <p14:creationId xmlns:p14="http://schemas.microsoft.com/office/powerpoint/2010/main" val="665438767"/>
+        <p14:creationId xmlns:p14="http://schemas.microsoft.com/office/powerpoint/2010/main" val="3542081633"/>
       </p:ext>
     </p:extLst>
   </p:cSld>
@@ -6954,7 +6577,7 @@
         </p:nvSpPr>
         <p:spPr>
           <a:xfrm>
-            <a:off x="457200" y="-54040"/>
+            <a:off x="457200" y="-21695"/>
             <a:ext cx="8229600" cy="1143000"/>
           </a:xfrm>
         </p:spPr>
@@ -6965,16 +6588,16 @@
           <a:lstStyle/>
           <a:p>
             <a:r>
-              <a:rPr lang="en-US" sz="3200" dirty="0" smtClean="0"/>
-              <a:t>Conferences Attended During Grad School</a:t>
-            </a:r>
-            <a:endParaRPr lang="en-US" sz="3200" dirty="0"/>
-          </a:p>
-        </p:txBody>
-      </p:sp>
-      <p:sp>
-        <p:nvSpPr>
-          <p:cNvPr id="3" name="Content Placeholder 2"/>
+              <a:rPr lang="en-US" sz="4000" dirty="0" smtClean="0"/>
+              <a:t>Thesis Timeline (and beyond)</a:t>
+            </a:r>
+            <a:endParaRPr lang="en-US" sz="4000" dirty="0"/>
+          </a:p>
+        </p:txBody>
+      </p:sp>
+      <p:sp>
+        <p:nvSpPr>
+          <p:cNvPr id="5" name="Content Placeholder 2"/>
           <p:cNvSpPr>
             <a:spLocks noGrp="1"/>
           </p:cNvSpPr>
@@ -6984,13 +6607,450 @@
         </p:nvSpPr>
         <p:spPr>
           <a:xfrm>
-            <a:off x="457200" y="837619"/>
-            <a:ext cx="8229600" cy="5836938"/>
+            <a:off x="457200" y="729540"/>
+            <a:ext cx="8229600" cy="5876838"/>
           </a:xfrm>
         </p:spPr>
         <p:txBody>
           <a:bodyPr>
-            <a:normAutofit fontScale="77500" lnSpcReduction="20000"/>
+            <a:normAutofit/>
+          </a:bodyPr>
+          <a:lstStyle/>
+          <a:p>
+            <a:pPr marL="400050" lvl="1" indent="0">
+              <a:buNone/>
+            </a:pPr>
+            <a:endParaRPr lang="en-US" sz="2000" dirty="0" smtClean="0"/>
+          </a:p>
+          <a:p>
+            <a:pPr lvl="1" indent="-342900"/>
+            <a:r>
+              <a:rPr lang="en-US" sz="2400" dirty="0" smtClean="0"/>
+              <a:t>By </a:t>
+            </a:r>
+            <a:r>
+              <a:rPr lang="en-US" sz="2400" dirty="0" smtClean="0">
+                <a:solidFill>
+                  <a:srgbClr val="FFFF00"/>
+                </a:solidFill>
+              </a:rPr>
+              <a:t>March 15</a:t>
+            </a:r>
+            <a:r>
+              <a:rPr lang="en-US" sz="2400" baseline="30000" dirty="0" smtClean="0">
+                <a:solidFill>
+                  <a:srgbClr val="FFFF00"/>
+                </a:solidFill>
+              </a:rPr>
+              <a:t>th</a:t>
+            </a:r>
+            <a:r>
+              <a:rPr lang="en-US" sz="2400" dirty="0">
+                <a:solidFill>
+                  <a:srgbClr val="FFFF00"/>
+                </a:solidFill>
+              </a:rPr>
+              <a:t> </a:t>
+            </a:r>
+            <a:r>
+              <a:rPr lang="en-US" sz="2400" dirty="0" smtClean="0"/>
+              <a:t>-&gt; submit </a:t>
+            </a:r>
+            <a:r>
+              <a:rPr lang="en-US" sz="2400" dirty="0"/>
+              <a:t>C</a:t>
+            </a:r>
+            <a:r>
+              <a:rPr lang="en-US" sz="2400" dirty="0" smtClean="0"/>
+              <a:t>/N/O paper</a:t>
+            </a:r>
+          </a:p>
+          <a:p>
+            <a:pPr lvl="1" indent="-342900"/>
+            <a:r>
+              <a:rPr lang="en-US" sz="2400" dirty="0" smtClean="0">
+                <a:solidFill>
+                  <a:srgbClr val="FFFF00"/>
+                </a:solidFill>
+              </a:rPr>
+              <a:t>March 15</a:t>
+            </a:r>
+            <a:r>
+              <a:rPr lang="en-US" sz="2400" baseline="30000" dirty="0" smtClean="0">
+                <a:solidFill>
+                  <a:srgbClr val="FFFF00"/>
+                </a:solidFill>
+              </a:rPr>
+              <a:t>th</a:t>
+            </a:r>
+            <a:r>
+              <a:rPr lang="en-US" sz="2400" dirty="0" smtClean="0">
+                <a:solidFill>
+                  <a:srgbClr val="FFFF00"/>
+                </a:solidFill>
+              </a:rPr>
+              <a:t> – April 15</a:t>
+            </a:r>
+            <a:r>
+              <a:rPr lang="en-US" sz="2400" baseline="30000" dirty="0" smtClean="0">
+                <a:solidFill>
+                  <a:srgbClr val="FFFF00"/>
+                </a:solidFill>
+              </a:rPr>
+              <a:t>th</a:t>
+            </a:r>
+            <a:r>
+              <a:rPr lang="en-US" sz="2400" dirty="0" smtClean="0">
+                <a:solidFill>
+                  <a:srgbClr val="FFFF00"/>
+                </a:solidFill>
+              </a:rPr>
+              <a:t> </a:t>
+            </a:r>
+            <a:r>
+              <a:rPr lang="en-US" sz="2400" dirty="0" smtClean="0"/>
+              <a:t>-&gt; have some preliminary results for the last thesis chapter </a:t>
+            </a:r>
+          </a:p>
+          <a:p>
+            <a:pPr lvl="1" indent="-342900"/>
+            <a:r>
+              <a:rPr lang="en-US" sz="2400" dirty="0" smtClean="0">
+                <a:solidFill>
+                  <a:srgbClr val="FFFF00"/>
+                </a:solidFill>
+              </a:rPr>
+              <a:t>April 15</a:t>
+            </a:r>
+            <a:r>
+              <a:rPr lang="en-US" sz="2400" baseline="30000" dirty="0" smtClean="0">
+                <a:solidFill>
+                  <a:srgbClr val="FFFF00"/>
+                </a:solidFill>
+              </a:rPr>
+              <a:t>th</a:t>
+            </a:r>
+            <a:r>
+              <a:rPr lang="en-US" sz="2400" dirty="0" smtClean="0">
+                <a:solidFill>
+                  <a:srgbClr val="FFFF00"/>
+                </a:solidFill>
+              </a:rPr>
+              <a:t> – April 30</a:t>
+            </a:r>
+            <a:r>
+              <a:rPr lang="en-US" sz="2400" baseline="30000" dirty="0" smtClean="0">
+                <a:solidFill>
+                  <a:srgbClr val="FFFF00"/>
+                </a:solidFill>
+              </a:rPr>
+              <a:t>th</a:t>
+            </a:r>
+            <a:r>
+              <a:rPr lang="en-US" sz="2400" dirty="0" smtClean="0">
+                <a:solidFill>
+                  <a:srgbClr val="FFFF00"/>
+                </a:solidFill>
+              </a:rPr>
+              <a:t> </a:t>
+            </a:r>
+            <a:r>
+              <a:rPr lang="en-US" sz="2400" dirty="0" smtClean="0"/>
+              <a:t>-&gt; write thesis</a:t>
+            </a:r>
+          </a:p>
+          <a:p>
+            <a:pPr lvl="1" indent="-342900"/>
+            <a:r>
+              <a:rPr lang="en-US" sz="2400" dirty="0" smtClean="0"/>
+              <a:t>Some time between </a:t>
+            </a:r>
+            <a:r>
+              <a:rPr lang="en-US" sz="2400" dirty="0" smtClean="0">
+                <a:solidFill>
+                  <a:srgbClr val="FFFF00"/>
+                </a:solidFill>
+              </a:rPr>
+              <a:t>April 25</a:t>
+            </a:r>
+            <a:r>
+              <a:rPr lang="en-US" sz="2400" baseline="30000" dirty="0" smtClean="0">
+                <a:solidFill>
+                  <a:srgbClr val="FFFF00"/>
+                </a:solidFill>
+              </a:rPr>
+              <a:t>th</a:t>
+            </a:r>
+            <a:r>
+              <a:rPr lang="en-US" sz="2400" dirty="0" smtClean="0">
+                <a:solidFill>
+                  <a:srgbClr val="FFFF00"/>
+                </a:solidFill>
+              </a:rPr>
+              <a:t> </a:t>
+            </a:r>
+            <a:r>
+              <a:rPr lang="en-US" sz="2400" dirty="0" smtClean="0"/>
+              <a:t>(Monday) and </a:t>
+            </a:r>
+            <a:r>
+              <a:rPr lang="en-US" sz="2400" dirty="0" smtClean="0">
+                <a:solidFill>
+                  <a:srgbClr val="FFFF00"/>
+                </a:solidFill>
+              </a:rPr>
+              <a:t>May 9</a:t>
+            </a:r>
+            <a:r>
+              <a:rPr lang="en-US" sz="2400" baseline="30000" dirty="0" smtClean="0">
+                <a:solidFill>
+                  <a:srgbClr val="FFFF00"/>
+                </a:solidFill>
+              </a:rPr>
+              <a:t>th</a:t>
+            </a:r>
+            <a:r>
+              <a:rPr lang="en-US" sz="2400" dirty="0" smtClean="0">
+                <a:solidFill>
+                  <a:srgbClr val="FFFF00"/>
+                </a:solidFill>
+              </a:rPr>
+              <a:t> </a:t>
+            </a:r>
+            <a:r>
+              <a:rPr lang="en-US" sz="2400" dirty="0" smtClean="0"/>
+              <a:t>(Monday) -&gt; </a:t>
+            </a:r>
+            <a:r>
+              <a:rPr lang="en-US" sz="2400" dirty="0" smtClean="0">
+                <a:solidFill>
+                  <a:srgbClr val="FFFF00"/>
+                </a:solidFill>
+              </a:rPr>
+              <a:t>THESIS DEFENSE!</a:t>
+            </a:r>
+          </a:p>
+          <a:p>
+            <a:pPr lvl="1" indent="-342900"/>
+            <a:r>
+              <a:rPr lang="en-US" sz="2400" dirty="0" smtClean="0">
+                <a:solidFill>
+                  <a:srgbClr val="FFFF00"/>
+                </a:solidFill>
+              </a:rPr>
+              <a:t>Mid-May – end of August </a:t>
+            </a:r>
+            <a:r>
+              <a:rPr lang="en-US" sz="2400" dirty="0" smtClean="0">
+                <a:solidFill>
+                  <a:srgbClr val="FFFFFF"/>
+                </a:solidFill>
+              </a:rPr>
+              <a:t>-&gt; develop intuition for chemistry and start developing a simple parameterized chemical network to implement in my dynamical model (collaborate closely with </a:t>
+            </a:r>
+            <a:r>
+              <a:rPr lang="en-US" sz="2400" dirty="0" err="1" smtClean="0">
+                <a:solidFill>
+                  <a:srgbClr val="FFFFFF"/>
+                </a:solidFill>
+              </a:rPr>
+              <a:t>Ilse</a:t>
+            </a:r>
+            <a:r>
+              <a:rPr lang="en-US" sz="2400" dirty="0" smtClean="0">
+                <a:solidFill>
+                  <a:srgbClr val="FFFFFF"/>
+                </a:solidFill>
+              </a:rPr>
+              <a:t> </a:t>
+            </a:r>
+            <a:r>
+              <a:rPr lang="en-US" sz="2400" dirty="0" err="1" smtClean="0">
+                <a:solidFill>
+                  <a:srgbClr val="FFFFFF"/>
+                </a:solidFill>
+              </a:rPr>
+              <a:t>Cleeves</a:t>
+            </a:r>
+            <a:r>
+              <a:rPr lang="en-US" sz="2400" dirty="0" smtClean="0">
+                <a:solidFill>
+                  <a:srgbClr val="FFFFFF"/>
+                </a:solidFill>
+              </a:rPr>
+              <a:t>)</a:t>
+            </a:r>
+          </a:p>
+          <a:p>
+            <a:pPr lvl="1" indent="-342900"/>
+            <a:r>
+              <a:rPr lang="en-US" sz="2400" dirty="0" smtClean="0">
+                <a:solidFill>
+                  <a:srgbClr val="FFFF00"/>
+                </a:solidFill>
+              </a:rPr>
+              <a:t>End of August – early fall </a:t>
+            </a:r>
+            <a:r>
+              <a:rPr lang="en-US" sz="2400" dirty="0" smtClean="0">
+                <a:solidFill>
+                  <a:srgbClr val="FFFFFF"/>
+                </a:solidFill>
+              </a:rPr>
+              <a:t>-&gt; finish paper on last thesis chapter</a:t>
+            </a:r>
+          </a:p>
+          <a:p>
+            <a:pPr lvl="1" indent="-342900"/>
+            <a:r>
+              <a:rPr lang="en-US" sz="2400" dirty="0" smtClean="0">
+                <a:solidFill>
+                  <a:srgbClr val="FFFF00"/>
+                </a:solidFill>
+              </a:rPr>
+              <a:t>September 1</a:t>
+            </a:r>
+            <a:r>
+              <a:rPr lang="en-US" sz="2400" baseline="30000" dirty="0" smtClean="0">
+                <a:solidFill>
+                  <a:srgbClr val="FFFF00"/>
+                </a:solidFill>
+              </a:rPr>
+              <a:t>st</a:t>
+            </a:r>
+            <a:r>
+              <a:rPr lang="en-US" sz="2400" dirty="0">
+                <a:solidFill>
+                  <a:srgbClr val="FFFF00"/>
+                </a:solidFill>
+              </a:rPr>
+              <a:t> </a:t>
+            </a:r>
+            <a:r>
+              <a:rPr lang="en-US" sz="2400" dirty="0" smtClean="0">
+                <a:solidFill>
+                  <a:srgbClr val="FFFFFF"/>
+                </a:solidFill>
+              </a:rPr>
+              <a:t>-&gt; </a:t>
+            </a:r>
+            <a:r>
+              <a:rPr lang="en-US" sz="2400" dirty="0" smtClean="0">
+                <a:solidFill>
+                  <a:srgbClr val="FFFF00"/>
+                </a:solidFill>
+              </a:rPr>
+              <a:t>START POSTDOC!</a:t>
+            </a:r>
+          </a:p>
+          <a:p>
+            <a:pPr lvl="1" indent="-342900"/>
+            <a:endParaRPr lang="en-US" sz="2000" dirty="0" smtClean="0"/>
+          </a:p>
+          <a:p>
+            <a:pPr lvl="1" indent="-342900"/>
+            <a:endParaRPr lang="en-US" sz="2000" dirty="0" smtClean="0"/>
+          </a:p>
+          <a:p>
+            <a:pPr lvl="1" indent="-342900"/>
+            <a:endParaRPr lang="en-US" sz="2000" dirty="0" smtClean="0"/>
+          </a:p>
+        </p:txBody>
+      </p:sp>
+    </p:spTree>
+    <p:extLst>
+      <p:ext uri="{BB962C8B-B14F-4D97-AF65-F5344CB8AC3E}">
+        <p14:creationId xmlns:p14="http://schemas.microsoft.com/office/powerpoint/2010/main" val="665438767"/>
+      </p:ext>
+    </p:extLst>
+  </p:cSld>
+  <p:clrMapOvr>
+    <a:masterClrMapping/>
+  </p:clrMapOvr>
+  <p:timing>
+    <p:tnLst>
+      <p:par>
+        <p:cTn xmlns:p14="http://schemas.microsoft.com/office/powerpoint/2010/main" id="1" dur="indefinite" restart="never" nodeType="tmRoot"/>
+      </p:par>
+    </p:tnLst>
+  </p:timing>
+</p:sld>
+</file>
+
+<file path=ppt/slides/slide24.xml><?xml version="1.0" encoding="utf-8"?>
+<p:sld xmlns:a="http://schemas.openxmlformats.org/drawingml/2006/main" xmlns:r="http://schemas.openxmlformats.org/officeDocument/2006/relationships" xmlns:p="http://schemas.openxmlformats.org/presentationml/2006/main">
+  <p:cSld>
+    <p:spTree>
+      <p:nvGrpSpPr>
+        <p:cNvPr id="1" name=""/>
+        <p:cNvGrpSpPr/>
+        <p:nvPr/>
+      </p:nvGrpSpPr>
+      <p:grpSpPr>
+        <a:xfrm>
+          <a:off x="0" y="0"/>
+          <a:ext cx="0" cy="0"/>
+          <a:chOff x="0" y="0"/>
+          <a:chExt cx="0" cy="0"/>
+        </a:xfrm>
+      </p:grpSpPr>
+      <p:sp>
+        <p:nvSpPr>
+          <p:cNvPr id="2" name="Title 1"/>
+          <p:cNvSpPr>
+            <a:spLocks noGrp="1"/>
+          </p:cNvSpPr>
+          <p:nvPr>
+            <p:ph type="title"/>
+          </p:nvPr>
+        </p:nvSpPr>
+        <p:spPr>
+          <a:xfrm>
+            <a:off x="457200" y="-162120"/>
+            <a:ext cx="8229600" cy="837619"/>
+          </a:xfrm>
+        </p:spPr>
+        <p:txBody>
+          <a:bodyPr>
+            <a:normAutofit/>
+          </a:bodyPr>
+          <a:lstStyle/>
+          <a:p>
+            <a:r>
+              <a:rPr lang="en-US" sz="2600" dirty="0" smtClean="0"/>
+              <a:t>Conferences </a:t>
+            </a:r>
+            <a:r>
+              <a:rPr lang="en-US" sz="2600" dirty="0" smtClean="0"/>
+              <a:t>+ Talks During </a:t>
+            </a:r>
+            <a:r>
+              <a:rPr lang="en-US" sz="2600" dirty="0" smtClean="0"/>
+              <a:t>Grad School</a:t>
+            </a:r>
+            <a:endParaRPr lang="en-US" sz="2600" dirty="0"/>
+          </a:p>
+        </p:txBody>
+      </p:sp>
+      <p:sp>
+        <p:nvSpPr>
+          <p:cNvPr id="3" name="Content Placeholder 2"/>
+          <p:cNvSpPr>
+            <a:spLocks noGrp="1"/>
+          </p:cNvSpPr>
+          <p:nvPr>
+            <p:ph idx="1"/>
+          </p:nvPr>
+        </p:nvSpPr>
+        <p:spPr>
+          <a:xfrm>
+            <a:off x="189163" y="621459"/>
+            <a:ext cx="8809587" cy="6242238"/>
+          </a:xfrm>
+        </p:spPr>
+        <p:txBody>
+          <a:bodyPr>
+            <a:normAutofit lnSpcReduction="10000"/>
           </a:bodyPr>
           <a:lstStyle/>
           <a:p>
@@ -6998,260 +7058,543 @@
               <a:buNone/>
             </a:pPr>
             <a:r>
-              <a:rPr lang="en-US" dirty="0" smtClean="0">
+              <a:rPr lang="en-US" sz="2200" dirty="0" smtClean="0">
                 <a:solidFill>
                   <a:srgbClr val="FFFF00"/>
                 </a:solidFill>
               </a:rPr>
-              <a:t>Past</a:t>
-            </a:r>
-          </a:p>
-          <a:p>
-            <a:pPr lvl="1"/>
-            <a:r>
-              <a:rPr lang="en-US" dirty="0" smtClean="0"/>
+              <a:t>Past – </a:t>
+            </a:r>
+            <a:r>
+              <a:rPr lang="en-US" sz="2200" dirty="0">
+                <a:solidFill>
+                  <a:srgbClr val="FFFF00"/>
+                </a:solidFill>
+              </a:rPr>
+              <a:t>6</a:t>
+            </a:r>
+            <a:r>
+              <a:rPr lang="en-US" sz="2200" dirty="0" smtClean="0">
+                <a:solidFill>
+                  <a:srgbClr val="FFFF00"/>
+                </a:solidFill>
+              </a:rPr>
+              <a:t> conferences (3 talks + 3 posters), 3 invited talks, 3 seminar talks</a:t>
+            </a:r>
+          </a:p>
+          <a:p>
+            <a:pPr>
+              <a:buFontTx/>
+              <a:buChar char="-"/>
+            </a:pPr>
+            <a:endParaRPr lang="en-US" sz="1800" dirty="0" smtClean="0">
+              <a:solidFill>
+                <a:srgbClr val="FFFFFF"/>
+              </a:solidFill>
+            </a:endParaRPr>
+          </a:p>
+          <a:p>
+            <a:pPr>
+              <a:buFontTx/>
+              <a:buChar char="-"/>
+            </a:pPr>
+            <a:r>
+              <a:rPr lang="en-US" sz="1800" dirty="0" smtClean="0">
+                <a:solidFill>
+                  <a:srgbClr val="FFFFFF"/>
+                </a:solidFill>
+              </a:rPr>
+              <a:t>MIT </a:t>
+            </a:r>
+            <a:r>
+              <a:rPr lang="en-US" sz="1800" dirty="0">
+                <a:solidFill>
+                  <a:srgbClr val="FFFFFF"/>
+                </a:solidFill>
+              </a:rPr>
+              <a:t>Planetary Lunch Colloquium, Cambridge, MA, March 2016 -&gt; </a:t>
+            </a:r>
+            <a:r>
+              <a:rPr lang="en-US" sz="1800" i="1" dirty="0">
+                <a:solidFill>
+                  <a:srgbClr val="FFFF00"/>
+                </a:solidFill>
+              </a:rPr>
+              <a:t>Invited </a:t>
+            </a:r>
+            <a:r>
+              <a:rPr lang="en-US" sz="1800" i="1" dirty="0" smtClean="0">
+                <a:solidFill>
+                  <a:srgbClr val="FFFF00"/>
+                </a:solidFill>
+              </a:rPr>
+              <a:t>Talk</a:t>
+            </a:r>
+          </a:p>
+          <a:p>
+            <a:pPr>
+              <a:buFontTx/>
+              <a:buChar char="-"/>
+            </a:pPr>
+            <a:r>
+              <a:rPr lang="en-US" sz="1800" dirty="0" err="1">
+                <a:solidFill>
+                  <a:srgbClr val="FFFFFF"/>
+                </a:solidFill>
+              </a:rPr>
+              <a:t>CfA</a:t>
+            </a:r>
+            <a:r>
+              <a:rPr lang="en-US" sz="1800" dirty="0">
+                <a:solidFill>
+                  <a:srgbClr val="FFFFFF"/>
+                </a:solidFill>
+              </a:rPr>
+              <a:t> Small Scale Seminar, Cambridge, MA, February 2016 -&gt; </a:t>
+            </a:r>
+            <a:r>
+              <a:rPr lang="en-US" sz="1800" i="1" dirty="0">
+                <a:solidFill>
+                  <a:srgbClr val="FFFF00"/>
+                </a:solidFill>
+              </a:rPr>
+              <a:t>Invited </a:t>
+            </a:r>
+            <a:r>
+              <a:rPr lang="en-US" sz="1800" i="1" dirty="0" smtClean="0">
+                <a:solidFill>
+                  <a:srgbClr val="FFFF00"/>
+                </a:solidFill>
+              </a:rPr>
+              <a:t>Talk</a:t>
+            </a:r>
+            <a:endParaRPr lang="en-US" sz="1800" i="1" dirty="0">
+              <a:solidFill>
+                <a:srgbClr val="FFFF00"/>
+              </a:solidFill>
+            </a:endParaRPr>
+          </a:p>
+          <a:p>
+            <a:pPr>
+              <a:buFontTx/>
+              <a:buChar char="-"/>
+            </a:pPr>
+            <a:r>
+              <a:rPr lang="en-US" sz="1800" dirty="0"/>
+              <a:t>AAS 227</a:t>
+            </a:r>
+            <a:r>
+              <a:rPr lang="en-US" sz="1800" baseline="30000" dirty="0"/>
+              <a:t>th</a:t>
+            </a:r>
+            <a:r>
+              <a:rPr lang="en-US" sz="1800" dirty="0"/>
+              <a:t> Meeting, Kissimmee, FL, January 2016 -&gt; </a:t>
+            </a:r>
+            <a:r>
+              <a:rPr lang="en-US" sz="1800" i="1" dirty="0">
+                <a:solidFill>
+                  <a:srgbClr val="FFFF00"/>
+                </a:solidFill>
+              </a:rPr>
+              <a:t>Dissertation Talk</a:t>
+            </a:r>
+          </a:p>
+          <a:p>
+            <a:pPr>
+              <a:buFontTx/>
+              <a:buChar char="-"/>
+            </a:pPr>
+            <a:r>
+              <a:rPr lang="en-US" sz="1800" dirty="0"/>
+              <a:t>Extreme Solar Systems III, Waikoloa, HI, December 2015 -&gt; </a:t>
+            </a:r>
+            <a:r>
+              <a:rPr lang="en-US" sz="1800" i="1" dirty="0" smtClean="0">
+                <a:solidFill>
+                  <a:srgbClr val="FFFF00"/>
+                </a:solidFill>
+              </a:rPr>
+              <a:t>Poster</a:t>
+            </a:r>
+          </a:p>
+          <a:p>
+            <a:pPr>
+              <a:buFontTx/>
+              <a:buChar char="-"/>
+            </a:pPr>
+            <a:r>
+              <a:rPr lang="en-US" sz="1800" dirty="0">
+                <a:solidFill>
+                  <a:srgbClr val="FFFFFF"/>
+                </a:solidFill>
+              </a:rPr>
+              <a:t>University of Michigan Lunch Talk, Ann Arbor, MI, November 2015 -&gt; </a:t>
+            </a:r>
+            <a:r>
+              <a:rPr lang="en-US" sz="1800" i="1" dirty="0">
+                <a:solidFill>
+                  <a:srgbClr val="FFFF00"/>
+                </a:solidFill>
+              </a:rPr>
+              <a:t>Contributed </a:t>
+            </a:r>
+            <a:r>
+              <a:rPr lang="en-US" sz="1800" i="1" dirty="0" smtClean="0">
+                <a:solidFill>
+                  <a:srgbClr val="FFFF00"/>
+                </a:solidFill>
+              </a:rPr>
+              <a:t>Talk</a:t>
+            </a:r>
+            <a:endParaRPr lang="en-US" sz="1800" i="1" dirty="0"/>
+          </a:p>
+          <a:p>
+            <a:pPr>
+              <a:buFontTx/>
+              <a:buChar char="-"/>
+            </a:pPr>
+            <a:r>
+              <a:rPr lang="en-US" sz="1800" dirty="0">
+                <a:solidFill>
+                  <a:srgbClr val="FFFFFF"/>
+                </a:solidFill>
+              </a:rPr>
+              <a:t>University of Chicago </a:t>
+            </a:r>
+            <a:r>
+              <a:rPr lang="en-US" sz="1800" dirty="0" err="1">
+                <a:solidFill>
+                  <a:srgbClr val="FFFFFF"/>
+                </a:solidFill>
+              </a:rPr>
+              <a:t>Exoplanet</a:t>
+            </a:r>
+            <a:r>
+              <a:rPr lang="en-US" sz="1800" dirty="0">
+                <a:solidFill>
+                  <a:srgbClr val="FFFFFF"/>
+                </a:solidFill>
+              </a:rPr>
+              <a:t> Journal Club, Chicago, IL, November 2015 -</a:t>
+            </a:r>
+            <a:r>
+              <a:rPr lang="en-US" sz="1800" dirty="0">
+                <a:solidFill>
+                  <a:srgbClr val="FFFF00"/>
+                </a:solidFill>
+              </a:rPr>
+              <a:t>&gt; </a:t>
+            </a:r>
+            <a:r>
+              <a:rPr lang="en-US" sz="1800" i="1" dirty="0">
+                <a:solidFill>
+                  <a:srgbClr val="FFFF00"/>
+                </a:solidFill>
+              </a:rPr>
+              <a:t>Contributed Talk</a:t>
+            </a:r>
+          </a:p>
+          <a:p>
+            <a:pPr>
+              <a:buFontTx/>
+              <a:buChar char="-"/>
+            </a:pPr>
+            <a:r>
+              <a:rPr lang="en-US" sz="1800" dirty="0">
+                <a:solidFill>
+                  <a:srgbClr val="FFFFFF"/>
+                </a:solidFill>
+              </a:rPr>
+              <a:t>MIT </a:t>
+            </a:r>
+            <a:r>
+              <a:rPr lang="en-US" sz="1800" dirty="0" err="1">
+                <a:solidFill>
+                  <a:srgbClr val="FFFFFF"/>
+                </a:solidFill>
+              </a:rPr>
+              <a:t>Exoplanet</a:t>
+            </a:r>
+            <a:r>
+              <a:rPr lang="en-US" sz="1800" dirty="0">
+                <a:solidFill>
+                  <a:srgbClr val="FFFFFF"/>
+                </a:solidFill>
+              </a:rPr>
+              <a:t> Tea</a:t>
+            </a:r>
+            <a:r>
+              <a:rPr lang="en-US" sz="1800" dirty="0"/>
+              <a:t>, Cambridge, MA, September 2015 </a:t>
+            </a:r>
+            <a:r>
+              <a:rPr lang="en-US" sz="1800" dirty="0">
+                <a:solidFill>
+                  <a:srgbClr val="FFFF00"/>
+                </a:solidFill>
+              </a:rPr>
+              <a:t>-&gt; </a:t>
+            </a:r>
+            <a:r>
+              <a:rPr lang="en-US" sz="1800" i="1" dirty="0">
+                <a:solidFill>
+                  <a:srgbClr val="FFFF00"/>
+                </a:solidFill>
+              </a:rPr>
+              <a:t>Contributed Talk</a:t>
+            </a:r>
+          </a:p>
+          <a:p>
+            <a:pPr>
+              <a:buFontTx/>
+              <a:buChar char="-"/>
+            </a:pPr>
+            <a:r>
+              <a:rPr lang="en-US" sz="1800" dirty="0">
+                <a:solidFill>
+                  <a:srgbClr val="FFFFFF"/>
+                </a:solidFill>
+              </a:rPr>
+              <a:t>CIPS Seminar</a:t>
+            </a:r>
+            <a:r>
+              <a:rPr lang="en-US" sz="1800" dirty="0"/>
+              <a:t>, Berkeley, CA, September 2015 -&gt; </a:t>
+            </a:r>
+            <a:r>
+              <a:rPr lang="en-US" sz="1800" i="1" dirty="0">
+                <a:solidFill>
+                  <a:srgbClr val="FFFF00"/>
+                </a:solidFill>
+              </a:rPr>
+              <a:t>Invited Talk</a:t>
+            </a:r>
+          </a:p>
+          <a:p>
+            <a:pPr>
+              <a:buFontTx/>
+              <a:buChar char="-"/>
+            </a:pPr>
+            <a:r>
+              <a:rPr lang="en-US" sz="1800" dirty="0" smtClean="0"/>
               <a:t>Star </a:t>
             </a:r>
             <a:r>
-              <a:rPr lang="en-US" dirty="0"/>
+              <a:rPr lang="en-US" sz="1800" dirty="0"/>
               <a:t>and Planet Formation in the Southwest, Oracle, AZ, March </a:t>
             </a:r>
             <a:r>
-              <a:rPr lang="en-US" dirty="0" smtClean="0"/>
-              <a:t>2015</a:t>
-            </a:r>
-          </a:p>
-          <a:p>
-            <a:pPr marL="457200" lvl="1" indent="0">
+              <a:rPr lang="en-US" sz="1800" dirty="0" smtClean="0"/>
+              <a:t>2015  </a:t>
+            </a:r>
+            <a:r>
+              <a:rPr lang="en-US" sz="1800" dirty="0" smtClean="0"/>
+              <a:t>-&gt; </a:t>
+            </a:r>
+            <a:r>
+              <a:rPr lang="en-US" sz="1800" i="1" dirty="0" smtClean="0">
+                <a:solidFill>
+                  <a:srgbClr val="FFFF00"/>
+                </a:solidFill>
+              </a:rPr>
+              <a:t>Contributed </a:t>
+            </a:r>
+            <a:r>
+              <a:rPr lang="en-US" sz="1800" i="1" dirty="0" smtClean="0">
+                <a:solidFill>
+                  <a:srgbClr val="FFFF00"/>
+                </a:solidFill>
+              </a:rPr>
+              <a:t>Talk</a:t>
+            </a:r>
+          </a:p>
+          <a:p>
+            <a:pPr>
+              <a:buFontTx/>
+              <a:buChar char="-"/>
+            </a:pPr>
+            <a:r>
+              <a:rPr lang="en-US" sz="1800" dirty="0" err="1" smtClean="0"/>
+              <a:t>Protostars</a:t>
+            </a:r>
+            <a:r>
+              <a:rPr lang="en-US" sz="1800" dirty="0" smtClean="0"/>
+              <a:t> </a:t>
+            </a:r>
+            <a:r>
+              <a:rPr lang="en-US" sz="1800" dirty="0"/>
+              <a:t>and Planets VI, Heidelberg, Germany, July </a:t>
+            </a:r>
+            <a:r>
+              <a:rPr lang="en-US" sz="1800" dirty="0" smtClean="0"/>
+              <a:t>2013 -&gt; </a:t>
+            </a:r>
+            <a:r>
+              <a:rPr lang="en-US" sz="1800" i="1" dirty="0" smtClean="0">
+                <a:solidFill>
+                  <a:srgbClr val="FFFF00"/>
+                </a:solidFill>
+              </a:rPr>
+              <a:t>Poster</a:t>
+            </a:r>
+          </a:p>
+          <a:p>
+            <a:pPr>
+              <a:buFontTx/>
+              <a:buChar char="-"/>
+            </a:pPr>
+            <a:r>
+              <a:rPr lang="en-US" sz="1800" dirty="0" smtClean="0"/>
+              <a:t>IAUS </a:t>
+            </a:r>
+            <a:r>
+              <a:rPr lang="en-US" sz="1800" dirty="0"/>
+              <a:t>299: Exploring the Formation and Evolution of Planetary Systems, Victoria, BC, </a:t>
+            </a:r>
+            <a:r>
+              <a:rPr lang="en-US" sz="1800" dirty="0" smtClean="0"/>
+              <a:t>June 2013 -&gt; </a:t>
+            </a:r>
+            <a:r>
+              <a:rPr lang="en-US" sz="1800" i="1" dirty="0" smtClean="0">
+                <a:solidFill>
+                  <a:srgbClr val="FFFF00"/>
+                </a:solidFill>
+              </a:rPr>
+              <a:t>Contributed </a:t>
+            </a:r>
+            <a:r>
+              <a:rPr lang="en-US" sz="1800" i="1" dirty="0" smtClean="0">
+                <a:solidFill>
+                  <a:srgbClr val="FFFF00"/>
+                </a:solidFill>
+              </a:rPr>
+              <a:t>Talk</a:t>
+            </a:r>
+          </a:p>
+          <a:p>
+            <a:pPr>
+              <a:buFontTx/>
+              <a:buChar char="-"/>
+            </a:pPr>
+            <a:r>
+              <a:rPr lang="en-US" sz="1800" dirty="0" err="1" smtClean="0"/>
+              <a:t>Exoplanets</a:t>
+            </a:r>
+            <a:r>
+              <a:rPr lang="en-US" sz="1800" dirty="0" smtClean="0"/>
+              <a:t> </a:t>
+            </a:r>
+            <a:r>
+              <a:rPr lang="en-US" sz="1800" dirty="0"/>
+              <a:t>in Multi-body Systems in the </a:t>
+            </a:r>
+            <a:r>
+              <a:rPr lang="en-US" sz="1800" dirty="0" err="1"/>
+              <a:t>Kepler</a:t>
+            </a:r>
+            <a:r>
+              <a:rPr lang="en-US" sz="1800" dirty="0"/>
+              <a:t> Era, Aspen, CO, February </a:t>
+            </a:r>
+            <a:r>
+              <a:rPr lang="en-US" sz="1800" dirty="0" smtClean="0"/>
+              <a:t>2013 -&gt; </a:t>
+            </a:r>
+            <a:r>
+              <a:rPr lang="en-US" sz="1800" i="1" dirty="0" smtClean="0">
+                <a:solidFill>
+                  <a:srgbClr val="FFFF00"/>
+                </a:solidFill>
+              </a:rPr>
+              <a:t>Poster</a:t>
+            </a:r>
+          </a:p>
+          <a:p>
+            <a:pPr marL="0" indent="0">
               <a:buNone/>
             </a:pPr>
-            <a:r>
-              <a:rPr lang="en-US" dirty="0"/>
-              <a:t> </a:t>
-            </a:r>
-            <a:r>
-              <a:rPr lang="en-US" dirty="0" smtClean="0"/>
-              <a:t>     -&gt; </a:t>
-            </a:r>
-            <a:r>
-              <a:rPr lang="en-US" i="1" dirty="0" smtClean="0">
+            <a:endParaRPr lang="en-US" sz="1800" i="1" dirty="0">
+              <a:solidFill>
+                <a:srgbClr val="FFFFFF"/>
+              </a:solidFill>
+            </a:endParaRPr>
+          </a:p>
+          <a:p>
+            <a:pPr marL="0" indent="0">
+              <a:buNone/>
+            </a:pPr>
+            <a:r>
+              <a:rPr lang="en-US" sz="2200" dirty="0" smtClean="0">
                 <a:solidFill>
                   <a:srgbClr val="FFFF00"/>
                 </a:solidFill>
               </a:rPr>
-              <a:t>Contributed Talk</a:t>
-            </a:r>
-          </a:p>
-          <a:p>
-            <a:pPr lvl="1"/>
-            <a:r>
-              <a:rPr lang="en-US" dirty="0" err="1" smtClean="0"/>
-              <a:t>Protostars</a:t>
-            </a:r>
-            <a:r>
-              <a:rPr lang="en-US" dirty="0" smtClean="0"/>
-              <a:t> </a:t>
-            </a:r>
-            <a:r>
-              <a:rPr lang="en-US" dirty="0"/>
-              <a:t>and Planets VI, Heidelberg, Germany, July </a:t>
-            </a:r>
-            <a:r>
-              <a:rPr lang="en-US" dirty="0" smtClean="0"/>
-              <a:t>2013 -&gt; </a:t>
-            </a:r>
-            <a:r>
-              <a:rPr lang="en-US" i="1" dirty="0" smtClean="0">
+              <a:t>Future</a:t>
+            </a:r>
+          </a:p>
+          <a:p>
+            <a:pPr>
+              <a:buFontTx/>
+              <a:buChar char="-"/>
+            </a:pPr>
+            <a:r>
+              <a:rPr lang="en-US" sz="1800" dirty="0" smtClean="0">
+                <a:solidFill>
+                  <a:srgbClr val="FFFFFF"/>
+                </a:solidFill>
+              </a:rPr>
+              <a:t>ITC Luncheon, Cambridge, MA, April 2016 -&gt; </a:t>
+            </a:r>
+            <a:r>
+              <a:rPr lang="en-US" sz="1800" i="1" dirty="0" smtClean="0">
                 <a:solidFill>
                   <a:srgbClr val="FFFF00"/>
                 </a:solidFill>
               </a:rPr>
-              <a:t>Poster</a:t>
-            </a:r>
-          </a:p>
-          <a:p>
-            <a:pPr lvl="1"/>
-            <a:r>
-              <a:rPr lang="en-US" dirty="0" smtClean="0"/>
-              <a:t> </a:t>
-            </a:r>
-            <a:r>
-              <a:rPr lang="en-US" dirty="0"/>
-              <a:t>IAUS 299: Exploring the Formation and Evolution of Planetary Systems, Victoria, BC, </a:t>
-            </a:r>
-            <a:r>
-              <a:rPr lang="en-US" dirty="0" smtClean="0"/>
-              <a:t>June 2013 -&gt; </a:t>
-            </a:r>
-            <a:r>
-              <a:rPr lang="en-US" i="1" dirty="0" smtClean="0">
+              <a:t>Invited Talk</a:t>
+            </a:r>
+          </a:p>
+          <a:p>
+            <a:pPr>
+              <a:buFontTx/>
+              <a:buChar char="-"/>
+            </a:pPr>
+            <a:r>
+              <a:rPr lang="en-US" sz="1800" dirty="0" err="1" smtClean="0">
+                <a:solidFill>
+                  <a:srgbClr val="FFFFFF"/>
+                </a:solidFill>
+              </a:rPr>
+              <a:t>Exoplanets</a:t>
+            </a:r>
+            <a:r>
+              <a:rPr lang="en-US" sz="1800" dirty="0" smtClean="0">
+                <a:solidFill>
+                  <a:srgbClr val="FFFFFF"/>
+                </a:solidFill>
+              </a:rPr>
+              <a:t> I, Davos, Switzerland -&gt; </a:t>
+            </a:r>
+            <a:r>
+              <a:rPr lang="en-US" sz="1800" i="1" dirty="0" smtClean="0">
                 <a:solidFill>
                   <a:srgbClr val="FFFF00"/>
                 </a:solidFill>
               </a:rPr>
-              <a:t>Contributed Talk</a:t>
-            </a:r>
-          </a:p>
-          <a:p>
-            <a:pPr lvl="1"/>
-            <a:r>
-              <a:rPr lang="en-US" dirty="0" err="1" smtClean="0"/>
-              <a:t>Exoplanets</a:t>
-            </a:r>
-            <a:r>
-              <a:rPr lang="en-US" dirty="0" smtClean="0"/>
-              <a:t> </a:t>
-            </a:r>
-            <a:r>
-              <a:rPr lang="en-US" dirty="0"/>
-              <a:t>in Multi-body Systems in the </a:t>
-            </a:r>
-            <a:r>
-              <a:rPr lang="en-US" dirty="0" err="1"/>
-              <a:t>Kepler</a:t>
-            </a:r>
-            <a:r>
-              <a:rPr lang="en-US" dirty="0"/>
-              <a:t> Era, Aspen, CO, February </a:t>
-            </a:r>
-            <a:r>
-              <a:rPr lang="en-US" dirty="0" smtClean="0"/>
-              <a:t>2013 -&gt; </a:t>
-            </a:r>
-            <a:r>
-              <a:rPr lang="en-US" i="1" dirty="0" smtClean="0">
-                <a:solidFill>
-                  <a:srgbClr val="FFFF00"/>
-                </a:solidFill>
-              </a:rPr>
-              <a:t>Poster</a:t>
-            </a:r>
-          </a:p>
-          <a:p>
-            <a:pPr lvl="1"/>
-            <a:r>
-              <a:rPr lang="en-US" dirty="0" smtClean="0">
-                <a:solidFill>
-                  <a:srgbClr val="FFFFFF"/>
-                </a:solidFill>
-              </a:rPr>
-              <a:t>CIPS Seminar</a:t>
-            </a:r>
-            <a:r>
-              <a:rPr lang="en-US" dirty="0" smtClean="0"/>
-              <a:t>, </a:t>
-            </a:r>
-            <a:r>
-              <a:rPr lang="en-US" dirty="0" smtClean="0"/>
-              <a:t>Berkeley, CA, September </a:t>
-            </a:r>
-            <a:r>
-              <a:rPr lang="en-US" dirty="0" smtClean="0"/>
-              <a:t>2015 -&gt; Invited Talk</a:t>
-            </a:r>
-            <a:endParaRPr lang="en-US" dirty="0"/>
-          </a:p>
-          <a:p>
-            <a:pPr lvl="1"/>
-            <a:r>
-              <a:rPr lang="en-US" dirty="0" smtClean="0">
-                <a:solidFill>
-                  <a:srgbClr val="FFFFFF"/>
-                </a:solidFill>
-              </a:rPr>
-              <a:t>MIT </a:t>
-            </a:r>
-            <a:r>
-              <a:rPr lang="en-US" dirty="0" err="1" smtClean="0">
-                <a:solidFill>
-                  <a:srgbClr val="FFFFFF"/>
-                </a:solidFill>
-              </a:rPr>
-              <a:t>Exoplanet</a:t>
-            </a:r>
-            <a:r>
-              <a:rPr lang="en-US" dirty="0" smtClean="0">
-                <a:solidFill>
-                  <a:srgbClr val="FFFFFF"/>
-                </a:solidFill>
-              </a:rPr>
-              <a:t> </a:t>
-            </a:r>
-            <a:r>
-              <a:rPr lang="en-US" dirty="0" smtClean="0">
-                <a:solidFill>
-                  <a:srgbClr val="FFFFFF"/>
-                </a:solidFill>
-              </a:rPr>
-              <a:t>Tea</a:t>
-            </a:r>
-            <a:r>
-              <a:rPr lang="en-US" dirty="0" smtClean="0"/>
-              <a:t>, </a:t>
-            </a:r>
-            <a:r>
-              <a:rPr lang="en-US" dirty="0" smtClean="0"/>
-              <a:t>Cambridge, MA, September </a:t>
-            </a:r>
-            <a:r>
-              <a:rPr lang="en-US" dirty="0" smtClean="0"/>
-              <a:t>2015 </a:t>
-            </a:r>
-            <a:r>
-              <a:rPr lang="en-US" dirty="0" smtClean="0">
-                <a:solidFill>
-                  <a:srgbClr val="FFFF00"/>
-                </a:solidFill>
-              </a:rPr>
-              <a:t>-&gt; Contributed Talk</a:t>
-            </a:r>
-          </a:p>
-          <a:p>
-            <a:pPr lvl="1"/>
-            <a:r>
-              <a:rPr lang="en-US" dirty="0" smtClean="0"/>
-              <a:t>Extreme </a:t>
-            </a:r>
-            <a:r>
-              <a:rPr lang="en-US" dirty="0" smtClean="0"/>
-              <a:t>Solar Systems III, Waikoloa, HI, December 2015 -&gt; </a:t>
-            </a:r>
-            <a:r>
-              <a:rPr lang="en-US" i="1" dirty="0" smtClean="0">
-                <a:solidFill>
-                  <a:srgbClr val="FFFF00"/>
-                </a:solidFill>
-              </a:rPr>
-              <a:t>Poster</a:t>
-            </a:r>
-            <a:endParaRPr lang="en-US" i="1" dirty="0"/>
-          </a:p>
-          <a:p>
-            <a:pPr lvl="1"/>
-            <a:r>
-              <a:rPr lang="en-US" dirty="0" smtClean="0"/>
-              <a:t>AAS </a:t>
-            </a:r>
-            <a:r>
-              <a:rPr lang="en-US" dirty="0" smtClean="0"/>
-              <a:t>227</a:t>
-            </a:r>
-            <a:r>
-              <a:rPr lang="en-US" baseline="30000" dirty="0" smtClean="0"/>
-              <a:t>th</a:t>
-            </a:r>
-            <a:r>
-              <a:rPr lang="en-US" dirty="0" smtClean="0"/>
-              <a:t> Meeting, Kissimmee, FL, January 2016 -&gt; </a:t>
-            </a:r>
-            <a:r>
-              <a:rPr lang="en-US" i="1" dirty="0" smtClean="0">
-                <a:solidFill>
-                  <a:srgbClr val="FFFF00"/>
-                </a:solidFill>
-              </a:rPr>
-              <a:t>Thesis Talk</a:t>
-            </a:r>
+              <a:t>Contributed Talk (hopefully)</a:t>
+            </a:r>
+          </a:p>
+          <a:p>
+            <a:pPr marL="0" indent="0">
+              <a:buNone/>
+            </a:pPr>
+            <a:endParaRPr lang="en-US" sz="2200" dirty="0" smtClean="0">
+              <a:solidFill>
+                <a:srgbClr val="FFFFFF"/>
+              </a:solidFill>
+            </a:endParaRPr>
           </a:p>
         </p:txBody>
       </p:sp>
@@ -7275,7 +7618,7 @@
 </p:sld>
 </file>
 
-<file path=ppt/slides/slide24.xml><?xml version="1.0" encoding="utf-8"?>
+<file path=ppt/slides/slide25.xml><?xml version="1.0" encoding="utf-8"?>
 <p:sld xmlns:a="http://schemas.openxmlformats.org/drawingml/2006/main" xmlns:r="http://schemas.openxmlformats.org/officeDocument/2006/relationships" xmlns:p="http://schemas.openxmlformats.org/presentationml/2006/main">
   <p:cSld>
     <p:spTree>
@@ -7412,11 +7755,7 @@
             </a:r>
             <a:r>
               <a:rPr lang="en-US" dirty="0" smtClean="0"/>
-              <a:t>teps and Proposed Defense </a:t>
-            </a:r>
-            <a:r>
-              <a:rPr lang="en-US" dirty="0" smtClean="0"/>
-              <a:t>Timeline</a:t>
+              <a:t>teps and Proposed Defense Timeline</a:t>
             </a:r>
             <a:endParaRPr lang="en-US" dirty="0"/>
           </a:p>
@@ -8013,31 +8352,7 @@
                   <a:schemeClr val="bg1"/>
                 </a:solidFill>
               </a:rPr>
-              <a:t>Explore and understand the dynamical </a:t>
-            </a:r>
-            <a:r>
-              <a:rPr lang="en-US" sz="3600" dirty="0" smtClean="0">
-                <a:solidFill>
-                  <a:schemeClr val="bg1"/>
-                </a:solidFill>
-              </a:rPr>
-              <a:t>(and chemical) </a:t>
-            </a:r>
-            <a:r>
-              <a:rPr lang="en-US" sz="3600" dirty="0" smtClean="0">
-                <a:solidFill>
-                  <a:schemeClr val="bg1"/>
-                </a:solidFill>
-              </a:rPr>
-              <a:t>processes occurring in disks, and their relative importance in shaping disk </a:t>
-            </a:r>
-            <a:r>
-              <a:rPr lang="en-US" sz="3600" dirty="0" smtClean="0">
-                <a:solidFill>
-                  <a:schemeClr val="bg1"/>
-                </a:solidFill>
-              </a:rPr>
-              <a:t>compositions</a:t>
+              <a:t>Explore and understand the dynamical (and chemical) processes occurring in disks, and their relative importance in shaping disk compositions</a:t>
             </a:r>
             <a:endParaRPr lang="en-US" sz="3600" dirty="0">
               <a:solidFill>
@@ -8224,23 +8539,7 @@
                   <a:schemeClr val="bg1"/>
                 </a:solidFill>
               </a:rPr>
-              <a:t>Primarily focus on understanding how all these processes affect the snowline </a:t>
-            </a:r>
-            <a:r>
-              <a:rPr lang="en-US" sz="3600" dirty="0" smtClean="0">
-                <a:solidFill>
-                  <a:schemeClr val="bg1"/>
-                </a:solidFill>
-              </a:rPr>
-              <a:t>locations </a:t>
-            </a:r>
-            <a:r>
-              <a:rPr lang="en-US" sz="3600" dirty="0" smtClean="0">
-                <a:solidFill>
-                  <a:schemeClr val="bg1"/>
-                </a:solidFill>
-              </a:rPr>
-              <a:t>of volatile species</a:t>
+              <a:t>Primarily focus on understanding how all these processes affect the snowline locations of volatile species</a:t>
             </a:r>
             <a:endParaRPr lang="en-US" sz="3600" dirty="0">
               <a:solidFill>
@@ -8370,11 +8669,7 @@
             </a:r>
             <a:r>
               <a:rPr lang="en-US" dirty="0" smtClean="0"/>
-              <a:t>teps and Proposed Defense </a:t>
-            </a:r>
-            <a:r>
-              <a:rPr lang="en-US" dirty="0" smtClean="0"/>
-              <a:t>Timeline</a:t>
+              <a:t>teps and Proposed Defense Timeline</a:t>
             </a:r>
             <a:endParaRPr lang="en-US" dirty="0"/>
           </a:p>
@@ -8465,15 +8760,7 @@
                   <a:schemeClr val="bg1"/>
                 </a:solidFill>
               </a:rPr>
-              <a:t>Understand how </a:t>
-            </a:r>
-            <a:r>
-              <a:rPr lang="en-US" sz="3600" dirty="0" smtClean="0">
-                <a:solidFill>
-                  <a:schemeClr val="bg1"/>
-                </a:solidFill>
-              </a:rPr>
-              <a:t>DISK DYNAMICS and </a:t>
+              <a:t>Understand how DISK DYNAMICS and </a:t>
             </a:r>
             <a:br>
               <a:rPr lang="en-US" sz="3600" dirty="0" smtClean="0">
@@ -8488,55 +8775,7 @@
                   <a:schemeClr val="bg1"/>
                 </a:solidFill>
               </a:rPr>
-              <a:t>ICE MORPHOLOGY </a:t>
-            </a:r>
-            <a:r>
-              <a:rPr lang="en-US" sz="3600" dirty="0" smtClean="0">
-                <a:solidFill>
-                  <a:schemeClr val="bg1"/>
-                </a:solidFill>
-              </a:rPr>
-              <a:t>affect the snowline locations of the main C, O, N carriers, </a:t>
-            </a:r>
-            <a:r>
-              <a:rPr lang="en-US" sz="3600" dirty="0" smtClean="0">
-                <a:solidFill>
-                  <a:schemeClr val="bg1"/>
-                </a:solidFill>
-              </a:rPr>
-              <a:t>and thus the </a:t>
-            </a:r>
-            <a:r>
-              <a:rPr lang="en-US" sz="3600" dirty="0" smtClean="0">
-                <a:solidFill>
-                  <a:schemeClr val="bg1"/>
-                </a:solidFill>
-              </a:rPr>
-              <a:t>C/N/</a:t>
-            </a:r>
-            <a:r>
-              <a:rPr lang="en-US" sz="3600" dirty="0" smtClean="0">
-                <a:solidFill>
-                  <a:schemeClr val="bg1"/>
-                </a:solidFill>
-              </a:rPr>
-              <a:t>O </a:t>
-            </a:r>
-            <a:r>
-              <a:rPr lang="en-US" sz="3600" dirty="0" smtClean="0">
-                <a:solidFill>
-                  <a:schemeClr val="bg1"/>
-                </a:solidFill>
-              </a:rPr>
-              <a:t>ratios </a:t>
-            </a:r>
-            <a:r>
-              <a:rPr lang="en-US" sz="3600" dirty="0" smtClean="0">
-                <a:solidFill>
-                  <a:schemeClr val="bg1"/>
-                </a:solidFill>
-              </a:rPr>
-              <a:t>in gas and dust throughout the disk</a:t>
+              <a:t>ICE MORPHOLOGY affect the snowline locations of the main C, O, N carriers, and thus the C/N/O ratios in gas and dust throughout the disk</a:t>
             </a:r>
             <a:endParaRPr lang="en-US" sz="3600" dirty="0">
               <a:solidFill>

--- a/slides/TAC_meeting_talk_3.pptx
+++ b/slides/TAC_meeting_talk_3.pptx
@@ -5,10 +5,10 @@
     <p:sldMasterId id="2147483648" r:id="rId1"/>
   </p:sldMasterIdLst>
   <p:notesMasterIdLst>
-    <p:notesMasterId r:id="rId27"/>
+    <p:notesMasterId r:id="rId26"/>
   </p:notesMasterIdLst>
   <p:handoutMasterIdLst>
-    <p:handoutMasterId r:id="rId28"/>
+    <p:handoutMasterId r:id="rId27"/>
   </p:handoutMasterIdLst>
   <p:sldIdLst>
     <p:sldId id="256" r:id="rId2"/>
@@ -35,7 +35,6 @@
     <p:sldId id="322" r:id="rId23"/>
     <p:sldId id="399" r:id="rId24"/>
     <p:sldId id="383" r:id="rId25"/>
-    <p:sldId id="378" r:id="rId26"/>
   </p:sldIdLst>
   <p:sldSz cx="9144000" cy="6858000" type="screen4x3"/>
   <p:notesSz cx="6858000" cy="9144000"/>
@@ -167,7 +166,6 @@
             <p14:sldId id="322"/>
             <p14:sldId id="399"/>
             <p14:sldId id="383"/>
-            <p14:sldId id="378"/>
           </p14:sldIdLst>
         </p14:section>
       </p14:sectionLst>
@@ -264,7 +262,7 @@
           <a:p>
             <a:fld id="{7E37B48D-A559-6F41-A85D-9198382D8E74}" type="datetime1">
               <a:rPr lang="en-US" smtClean="0"/>
-              <a:t>3/3/16</a:t>
+              <a:t>3/4/16</a:t>
             </a:fld>
             <a:endParaRPr lang="en-US"/>
           </a:p>
@@ -430,7 +428,7 @@
           <a:p>
             <a:fld id="{A07269D8-8511-224D-9EC2-608B032B74D9}" type="datetime1">
               <a:rPr lang="en-US" smtClean="0"/>
-              <a:t>3/3/16</a:t>
+              <a:t>3/4/16</a:t>
             </a:fld>
             <a:endParaRPr lang="en-US"/>
           </a:p>
@@ -1084,7 +1082,7 @@
           <a:p>
             <a:fld id="{6BFECD78-3C8E-49F2-8FAB-59489D168ABB}" type="datetimeFigureOut">
               <a:rPr lang="en-US" smtClean="0"/>
-              <a:t>3/3/16</a:t>
+              <a:t>3/4/16</a:t>
             </a:fld>
             <a:endParaRPr lang="en-US"/>
           </a:p>
@@ -1254,7 +1252,7 @@
           <a:p>
             <a:fld id="{6BFECD78-3C8E-49F2-8FAB-59489D168ABB}" type="datetimeFigureOut">
               <a:rPr lang="en-US" smtClean="0"/>
-              <a:t>3/3/16</a:t>
+              <a:t>3/4/16</a:t>
             </a:fld>
             <a:endParaRPr lang="en-US"/>
           </a:p>
@@ -1434,7 +1432,7 @@
           <a:p>
             <a:fld id="{6BFECD78-3C8E-49F2-8FAB-59489D168ABB}" type="datetimeFigureOut">
               <a:rPr lang="en-US" smtClean="0"/>
-              <a:t>3/3/16</a:t>
+              <a:t>3/4/16</a:t>
             </a:fld>
             <a:endParaRPr lang="en-US"/>
           </a:p>
@@ -1604,7 +1602,7 @@
           <a:p>
             <a:fld id="{6BFECD78-3C8E-49F2-8FAB-59489D168ABB}" type="datetimeFigureOut">
               <a:rPr lang="en-US" smtClean="0"/>
-              <a:t>3/3/16</a:t>
+              <a:t>3/4/16</a:t>
             </a:fld>
             <a:endParaRPr lang="en-US"/>
           </a:p>
@@ -1850,7 +1848,7 @@
           <a:p>
             <a:fld id="{6BFECD78-3C8E-49F2-8FAB-59489D168ABB}" type="datetimeFigureOut">
               <a:rPr lang="en-US" smtClean="0"/>
-              <a:t>3/3/16</a:t>
+              <a:t>3/4/16</a:t>
             </a:fld>
             <a:endParaRPr lang="en-US"/>
           </a:p>
@@ -2138,7 +2136,7 @@
           <a:p>
             <a:fld id="{6BFECD78-3C8E-49F2-8FAB-59489D168ABB}" type="datetimeFigureOut">
               <a:rPr lang="en-US" smtClean="0"/>
-              <a:t>3/3/16</a:t>
+              <a:t>3/4/16</a:t>
             </a:fld>
             <a:endParaRPr lang="en-US"/>
           </a:p>
@@ -2560,7 +2558,7 @@
           <a:p>
             <a:fld id="{6BFECD78-3C8E-49F2-8FAB-59489D168ABB}" type="datetimeFigureOut">
               <a:rPr lang="en-US" smtClean="0"/>
-              <a:t>3/3/16</a:t>
+              <a:t>3/4/16</a:t>
             </a:fld>
             <a:endParaRPr lang="en-US"/>
           </a:p>
@@ -2678,7 +2676,7 @@
           <a:p>
             <a:fld id="{6BFECD78-3C8E-49F2-8FAB-59489D168ABB}" type="datetimeFigureOut">
               <a:rPr lang="en-US" smtClean="0"/>
-              <a:t>3/3/16</a:t>
+              <a:t>3/4/16</a:t>
             </a:fld>
             <a:endParaRPr lang="en-US"/>
           </a:p>
@@ -2773,7 +2771,7 @@
           <a:p>
             <a:fld id="{6BFECD78-3C8E-49F2-8FAB-59489D168ABB}" type="datetimeFigureOut">
               <a:rPr lang="en-US" smtClean="0"/>
-              <a:t>3/3/16</a:t>
+              <a:t>3/4/16</a:t>
             </a:fld>
             <a:endParaRPr lang="en-US"/>
           </a:p>
@@ -3050,7 +3048,7 @@
           <a:p>
             <a:fld id="{6BFECD78-3C8E-49F2-8FAB-59489D168ABB}" type="datetimeFigureOut">
               <a:rPr lang="en-US" smtClean="0"/>
-              <a:t>3/3/16</a:t>
+              <a:t>3/4/16</a:t>
             </a:fld>
             <a:endParaRPr lang="en-US"/>
           </a:p>
@@ -3307,7 +3305,7 @@
           <a:p>
             <a:fld id="{6BFECD78-3C8E-49F2-8FAB-59489D168ABB}" type="datetimeFigureOut">
               <a:rPr lang="en-US" smtClean="0"/>
-              <a:t>3/3/16</a:t>
+              <a:t>3/4/16</a:t>
             </a:fld>
             <a:endParaRPr lang="en-US"/>
           </a:p>
@@ -3520,7 +3518,7 @@
           <a:p>
             <a:fld id="{6BFECD78-3C8E-49F2-8FAB-59489D168ABB}" type="datetimeFigureOut">
               <a:rPr lang="en-US" smtClean="0"/>
-              <a:t>3/3/16</a:t>
+              <a:t>3/4/16</a:t>
             </a:fld>
             <a:endParaRPr lang="en-US"/>
           </a:p>
@@ -3923,7 +3921,7 @@
                   <a:srgbClr val="FFFF00"/>
                 </a:solidFill>
               </a:rPr>
-              <a:t>Origins of Gas Giant Compositions</a:t>
+              <a:t>&lt;Title In Progress&gt;</a:t>
             </a:r>
             <a:endParaRPr lang="en-US" dirty="0">
               <a:solidFill>
@@ -6689,7 +6687,23 @@
                   <a:srgbClr val="FFFF00"/>
                 </a:solidFill>
               </a:rPr>
-              <a:t> – April 15</a:t>
+              <a:t> – </a:t>
+            </a:r>
+            <a:r>
+              <a:rPr lang="en-US" sz="2400" dirty="0" smtClean="0">
+                <a:solidFill>
+                  <a:srgbClr val="FFFF00"/>
+                </a:solidFill>
+              </a:rPr>
+              <a:t>~April </a:t>
+            </a:r>
+            <a:r>
+              <a:rPr lang="en-US" sz="2400" dirty="0" smtClean="0">
+                <a:solidFill>
+                  <a:srgbClr val="FFFF00"/>
+                </a:solidFill>
+              </a:rPr>
+              <a:t>15</a:t>
             </a:r>
             <a:r>
               <a:rPr lang="en-US" sz="2400" baseline="30000" dirty="0" smtClean="0">
@@ -6720,7 +6734,15 @@
                   <a:srgbClr val="FFFF00"/>
                 </a:solidFill>
               </a:rPr>
-              <a:t>April 15</a:t>
+              <a:t>~April </a:t>
+            </a:r>
+            <a:r>
+              <a:rPr lang="en-US" sz="2400" dirty="0" smtClean="0">
+                <a:solidFill>
+                  <a:srgbClr val="FFFF00"/>
+                </a:solidFill>
+              </a:rPr>
+              <a:t>15</a:t>
             </a:r>
             <a:r>
               <a:rPr lang="en-US" sz="2400" baseline="30000" dirty="0" smtClean="0">
@@ -6736,7 +6758,23 @@
                   <a:srgbClr val="FFFF00"/>
                 </a:solidFill>
               </a:rPr>
-              <a:t> – April 30</a:t>
+              <a:t> – </a:t>
+            </a:r>
+            <a:r>
+              <a:rPr lang="en-US" sz="2400" dirty="0" smtClean="0">
+                <a:solidFill>
+                  <a:srgbClr val="FFFF00"/>
+                </a:solidFill>
+              </a:rPr>
+              <a:t>~April </a:t>
+            </a:r>
+            <a:r>
+              <a:rPr lang="en-US" sz="2400" dirty="0" smtClean="0">
+                <a:solidFill>
+                  <a:srgbClr val="FFFF00"/>
+                </a:solidFill>
+              </a:rPr>
+              <a:t>30</a:t>
             </a:r>
             <a:r>
               <a:rPr lang="en-US" sz="2400" baseline="30000" dirty="0" smtClean="0">
@@ -6791,7 +6829,7 @@
             </a:r>
             <a:r>
               <a:rPr lang="en-US" sz="2400" dirty="0" smtClean="0"/>
-              <a:t>(Monday) and </a:t>
+              <a:t>and </a:t>
             </a:r>
             <a:r>
               <a:rPr lang="en-US" sz="2400" dirty="0" smtClean="0">
@@ -6819,7 +6857,11 @@
             </a:r>
             <a:r>
               <a:rPr lang="en-US" sz="2400" dirty="0" smtClean="0"/>
-              <a:t>(Monday) -&gt; </a:t>
+              <a:t>-</a:t>
+            </a:r>
+            <a:r>
+              <a:rPr lang="en-US" sz="2400" dirty="0" smtClean="0"/>
+              <a:t>&gt; </a:t>
             </a:r>
             <a:r>
               <a:rPr lang="en-US" sz="2400" dirty="0" smtClean="0">
@@ -7018,15 +7060,7 @@
           <a:p>
             <a:r>
               <a:rPr lang="en-US" sz="2600" dirty="0" smtClean="0"/>
-              <a:t>Conferences </a:t>
-            </a:r>
-            <a:r>
-              <a:rPr lang="en-US" sz="2600" dirty="0" smtClean="0"/>
-              <a:t>+ Talks During </a:t>
-            </a:r>
-            <a:r>
-              <a:rPr lang="en-US" sz="2600" dirty="0" smtClean="0"/>
-              <a:t>Grad School</a:t>
+              <a:t>Conferences + Talks During Grad School</a:t>
             </a:r>
             <a:endParaRPr lang="en-US" sz="2600" dirty="0"/>
           </a:p>
@@ -7386,11 +7420,7 @@
             </a:r>
             <a:r>
               <a:rPr lang="en-US" sz="1800" dirty="0" smtClean="0"/>
-              <a:t>2015  </a:t>
-            </a:r>
-            <a:r>
-              <a:rPr lang="en-US" sz="1800" dirty="0" smtClean="0"/>
-              <a:t>-&gt; </a:t>
+              <a:t>2015  -&gt; </a:t>
             </a:r>
             <a:r>
               <a:rPr lang="en-US" sz="1800" i="1" dirty="0" smtClean="0">
@@ -7398,15 +7428,7 @@
                   <a:srgbClr val="FFFF00"/>
                 </a:solidFill>
               </a:rPr>
-              <a:t>Contributed </a:t>
-            </a:r>
-            <a:r>
-              <a:rPr lang="en-US" sz="1800" i="1" dirty="0" smtClean="0">
-                <a:solidFill>
-                  <a:srgbClr val="FFFF00"/>
-                </a:solidFill>
-              </a:rPr>
-              <a:t>Talk</a:t>
+              <a:t>Contributed Talk</a:t>
             </a:r>
           </a:p>
           <a:p>
@@ -7462,15 +7484,7 @@
                   <a:srgbClr val="FFFF00"/>
                 </a:solidFill>
               </a:rPr>
-              <a:t>Contributed </a:t>
-            </a:r>
-            <a:r>
-              <a:rPr lang="en-US" sz="1800" i="1" dirty="0" smtClean="0">
-                <a:solidFill>
-                  <a:srgbClr val="FFFF00"/>
-                </a:solidFill>
-              </a:rPr>
-              <a:t>Talk</a:t>
+              <a:t>Contributed Talk</a:t>
             </a:r>
           </a:p>
           <a:p>
@@ -7602,43 +7616,6 @@
     <p:extLst>
       <p:ext uri="{BB962C8B-B14F-4D97-AF65-F5344CB8AC3E}">
         <p14:creationId xmlns:p14="http://schemas.microsoft.com/office/powerpoint/2010/main" val="832066836"/>
-      </p:ext>
-    </p:extLst>
-  </p:cSld>
-  <p:clrMapOvr>
-    <a:masterClrMapping/>
-  </p:clrMapOvr>
-  <p:timing>
-    <p:tnLst>
-      <p:par>
-        <p:cTn xmlns:p14="http://schemas.microsoft.com/office/powerpoint/2010/main" id="1" dur="indefinite" restart="never" nodeType="tmRoot"/>
-      </p:par>
-    </p:tnLst>
-  </p:timing>
-</p:sld>
-</file>
-
-<file path=ppt/slides/slide25.xml><?xml version="1.0" encoding="utf-8"?>
-<p:sld xmlns:a="http://schemas.openxmlformats.org/drawingml/2006/main" xmlns:r="http://schemas.openxmlformats.org/officeDocument/2006/relationships" xmlns:p="http://schemas.openxmlformats.org/presentationml/2006/main">
-  <p:cSld>
-    <p:spTree>
-      <p:nvGrpSpPr>
-        <p:cNvPr id="1" name=""/>
-        <p:cNvGrpSpPr/>
-        <p:nvPr/>
-      </p:nvGrpSpPr>
-      <p:grpSpPr>
-        <a:xfrm>
-          <a:off x="0" y="0"/>
-          <a:ext cx="0" cy="0"/>
-          <a:chOff x="0" y="0"/>
-          <a:chExt cx="0" cy="0"/>
-        </a:xfrm>
-      </p:grpSpPr>
-    </p:spTree>
-    <p:extLst>
-      <p:ext uri="{BB962C8B-B14F-4D97-AF65-F5344CB8AC3E}">
-        <p14:creationId xmlns:p14="http://schemas.microsoft.com/office/powerpoint/2010/main" val="382270790"/>
       </p:ext>
     </p:extLst>
   </p:cSld>

--- a/slides/TAC_meeting_talk_3.pptx
+++ b/slides/TAC_meeting_talk_3.pptx
@@ -6611,7 +6611,7 @@
         </p:spPr>
         <p:txBody>
           <a:bodyPr>
-            <a:normAutofit/>
+            <a:normAutofit lnSpcReduction="10000"/>
           </a:bodyPr>
           <a:lstStyle/>
           <a:p>
@@ -6660,8 +6660,48 @@
             </a:r>
             <a:r>
               <a:rPr lang="en-US" sz="2400" dirty="0" smtClean="0"/>
-              <a:t>/N/O paper</a:t>
-            </a:r>
+              <a:t>/N/O </a:t>
+            </a:r>
+            <a:r>
+              <a:rPr lang="en-US" sz="2400" dirty="0" smtClean="0"/>
+              <a:t>paper</a:t>
+            </a:r>
+          </a:p>
+          <a:p>
+            <a:pPr lvl="1" indent="-342900"/>
+            <a:r>
+              <a:rPr lang="en-US" sz="2400" dirty="0" smtClean="0"/>
+              <a:t>By </a:t>
+            </a:r>
+            <a:r>
+              <a:rPr lang="en-US" sz="2400" dirty="0" smtClean="0">
+                <a:solidFill>
+                  <a:srgbClr val="FFFF00"/>
+                </a:solidFill>
+              </a:rPr>
+              <a:t>March 25</a:t>
+            </a:r>
+            <a:r>
+              <a:rPr lang="en-US" sz="2400" baseline="30000" dirty="0" smtClean="0">
+                <a:solidFill>
+                  <a:srgbClr val="FFFF00"/>
+                </a:solidFill>
+              </a:rPr>
+              <a:t>th</a:t>
+            </a:r>
+            <a:r>
+              <a:rPr lang="en-US" sz="2400" dirty="0" smtClean="0">
+                <a:solidFill>
+                  <a:srgbClr val="FFFF00"/>
+                </a:solidFill>
+              </a:rPr>
+              <a:t> </a:t>
+            </a:r>
+            <a:r>
+              <a:rPr lang="en-US" sz="2400" dirty="0" smtClean="0"/>
+              <a:t>-&gt; apply for degree</a:t>
+            </a:r>
+            <a:endParaRPr lang="en-US" sz="2400" dirty="0" smtClean="0"/>
           </a:p>
           <a:p>
             <a:pPr lvl="1" indent="-342900"/>

--- a/slides/TAC_meeting_talk_3.pptx
+++ b/slides/TAC_meeting_talk_3.pptx
@@ -3943,8 +3943,8 @@
         </p:nvSpPr>
         <p:spPr>
           <a:xfrm>
-            <a:off x="235165" y="2847746"/>
-            <a:ext cx="8481619" cy="2103740"/>
+            <a:off x="1" y="2847746"/>
+            <a:ext cx="8985238" cy="2103740"/>
           </a:xfrm>
         </p:spPr>
         <p:txBody>
@@ -3988,6 +3988,18 @@
             <a:r>
               <a:rPr lang="en-US" sz="4000" dirty="0" err="1" smtClean="0"/>
               <a:t>Birnstiel</a:t>
+            </a:r>
+            <a:r>
+              <a:rPr lang="en-US" sz="4000" dirty="0" smtClean="0"/>
+              <a:t>, </a:t>
+            </a:r>
+            <a:r>
+              <a:rPr lang="en-US" sz="4000" dirty="0" smtClean="0"/>
+              <a:t>Andrew </a:t>
+            </a:r>
+            <a:r>
+              <a:rPr lang="en-US" sz="4000" dirty="0" err="1" smtClean="0"/>
+              <a:t>Youdin</a:t>
             </a:r>
             <a:r>
               <a:rPr lang="en-US" sz="4000" dirty="0" smtClean="0"/>
